--- a/Thesis defense.pptx
+++ b/Thesis defense.pptx
@@ -3980,7 +3980,11 @@
           <a:p>
             <a:r>
               <a:rPr lang="en-CA" dirty="0" smtClean="0"/>
-              <a:t>Moments of a distribution </a:t>
+              <a:t>Moments of a </a:t>
+            </a:r>
+            <a:r>
+              <a:rPr lang="en-CA" dirty="0" smtClean="0"/>
+              <a:t>Distribution </a:t>
             </a:r>
             <a:endParaRPr lang="en-US" dirty="0"/>
           </a:p>
@@ -4063,8 +4067,8 @@
           </a:p>
         </p:txBody>
       </p:sp>
-      <mc:AlternateContent xmlns:mc="http://schemas.openxmlformats.org/markup-compatibility/2006">
-        <mc:Choice xmlns:a14="http://schemas.microsoft.com/office/drawing/2010/main" Requires="a14">
+      <mc:AlternateContent xmlns:mc="http://schemas.openxmlformats.org/markup-compatibility/2006" xmlns:a14="http://schemas.microsoft.com/office/drawing/2010/main">
+        <mc:Choice Requires="a14">
           <p:sp>
             <p:nvSpPr>
               <p:cNvPr id="5" name="Rectangle 4"/>
@@ -4086,6 +4090,7 @@
               </a:bodyPr>
               <a:lstStyle/>
               <a:p>
+                <a:pPr/>
                 <a14:m>
                   <m:oMathPara xmlns:m="http://schemas.openxmlformats.org/officeDocument/2006/math">
                     <m:oMathParaPr>
@@ -4096,7 +4101,7 @@
                         <m:barPr>
                           <m:pos m:val="top"/>
                           <m:ctrlPr>
-                            <a:rPr lang="en-US" b="1">
+                            <a:rPr lang="en-US" b="1" i="1">
                               <a:latin typeface="Cambria Math" panose="02040503050406030204" pitchFamily="18" charset="0"/>
                             </a:rPr>
                           </m:ctrlPr>
@@ -4181,7 +4186,7 @@
             </p:txBody>
           </p:sp>
         </mc:Choice>
-        <mc:Fallback>
+        <mc:Fallback xmlns="">
           <p:sp>
             <p:nvSpPr>
               <p:cNvPr id="5" name="Rectangle 4"/>
@@ -4220,8 +4225,8 @@
           </p:sp>
         </mc:Fallback>
       </mc:AlternateContent>
-      <mc:AlternateContent xmlns:mc="http://schemas.openxmlformats.org/markup-compatibility/2006">
-        <mc:Choice xmlns:a14="http://schemas.microsoft.com/office/drawing/2010/main" Requires="a14">
+      <mc:AlternateContent xmlns:mc="http://schemas.openxmlformats.org/markup-compatibility/2006" xmlns:a14="http://schemas.microsoft.com/office/drawing/2010/main">
+        <mc:Choice Requires="a14">
           <p:sp>
             <p:nvSpPr>
               <p:cNvPr id="6" name="Rectangle 5"/>
@@ -4460,7 +4465,7 @@
             </p:txBody>
           </p:sp>
         </mc:Choice>
-        <mc:Fallback>
+        <mc:Fallback xmlns="">
           <p:sp>
             <p:nvSpPr>
               <p:cNvPr id="6" name="Rectangle 5"/>
@@ -4499,8 +4504,8 @@
           </p:sp>
         </mc:Fallback>
       </mc:AlternateContent>
-      <mc:AlternateContent xmlns:mc="http://schemas.openxmlformats.org/markup-compatibility/2006">
-        <mc:Choice xmlns:a14="http://schemas.microsoft.com/office/drawing/2010/main" Requires="a14">
+      <mc:AlternateContent xmlns:mc="http://schemas.openxmlformats.org/markup-compatibility/2006" xmlns:a14="http://schemas.microsoft.com/office/drawing/2010/main">
+        <mc:Choice Requires="a14">
           <p:sp>
             <p:nvSpPr>
               <p:cNvPr id="7" name="Rectangle 6"/>
@@ -4598,7 +4603,7 @@
             </p:txBody>
           </p:sp>
         </mc:Choice>
-        <mc:Fallback>
+        <mc:Fallback xmlns="">
           <p:sp>
             <p:nvSpPr>
               <p:cNvPr id="7" name="Rectangle 6"/>
@@ -4637,8 +4642,8 @@
           </p:sp>
         </mc:Fallback>
       </mc:AlternateContent>
-      <mc:AlternateContent xmlns:mc="http://schemas.openxmlformats.org/markup-compatibility/2006">
-        <mc:Choice xmlns:a14="http://schemas.microsoft.com/office/drawing/2010/main" Requires="a14">
+      <mc:AlternateContent xmlns:mc="http://schemas.openxmlformats.org/markup-compatibility/2006" xmlns:a14="http://schemas.microsoft.com/office/drawing/2010/main">
+        <mc:Choice Requires="a14">
           <p:sp>
             <p:nvSpPr>
               <p:cNvPr id="8" name="Rectangle 7"/>
@@ -4660,6 +4665,7 @@
               </a:bodyPr>
               <a:lstStyle/>
               <a:p>
+                <a:pPr/>
                 <a14:m>
                   <m:oMathPara xmlns:m="http://schemas.openxmlformats.org/officeDocument/2006/math">
                     <m:oMathParaPr>
@@ -4750,7 +4756,7 @@
             </p:txBody>
           </p:sp>
         </mc:Choice>
-        <mc:Fallback>
+        <mc:Fallback xmlns="">
           <p:sp>
             <p:nvSpPr>
               <p:cNvPr id="8" name="Rectangle 7"/>
@@ -4873,11 +4879,7 @@
           <a:p>
             <a:r>
               <a:rPr lang="en-CA" dirty="0" smtClean="0"/>
-              <a:t>Reactor </a:t>
-            </a:r>
-            <a:r>
-              <a:rPr lang="en-CA" dirty="0" smtClean="0"/>
-              <a:t>Models</a:t>
+              <a:t>Reactor Models</a:t>
             </a:r>
             <a:endParaRPr lang="en-US" dirty="0"/>
           </a:p>
@@ -4902,7 +4904,6 @@
               <a:rPr lang="en-CA" b="1" dirty="0" smtClean="0"/>
               <a:t>Model is proposed </a:t>
             </a:r>
-            <a:endParaRPr lang="en-CA" b="1" dirty="0" smtClean="0"/>
           </a:p>
           <a:p>
             <a:r>
@@ -4931,11 +4932,7 @@
             </a:r>
             <a:r>
               <a:rPr lang="en-CA" b="1" dirty="0" smtClean="0"/>
-              <a:t>) compared to experimental </a:t>
-            </a:r>
-            <a:r>
-              <a:rPr lang="en-CA" b="1" dirty="0" smtClean="0"/>
-              <a:t>RTD</a:t>
+              <a:t>) compared to experimental RTD</a:t>
             </a:r>
           </a:p>
           <a:p>
@@ -4947,7 +4944,15 @@
           <a:p>
             <a:r>
               <a:rPr lang="en-CA" b="1" dirty="0" smtClean="0"/>
-              <a:t>Real reactor models are deviation from ideal</a:t>
+              <a:t>Real reactor models are </a:t>
+            </a:r>
+            <a:r>
+              <a:rPr lang="en-CA" b="1" dirty="0" smtClean="0"/>
+              <a:t>deviations </a:t>
+            </a:r>
+            <a:r>
+              <a:rPr lang="en-CA" b="1" dirty="0" smtClean="0"/>
+              <a:t>from ideal</a:t>
             </a:r>
           </a:p>
           <a:p>
@@ -5228,7 +5233,15 @@
           <a:p>
             <a:r>
               <a:rPr lang="en-CA" dirty="0" smtClean="0"/>
-              <a:t>Distribution function F (t)</a:t>
+              <a:t>Distribution </a:t>
+            </a:r>
+            <a:r>
+              <a:rPr lang="en-CA" dirty="0" smtClean="0"/>
+              <a:t>Function </a:t>
+            </a:r>
+            <a:r>
+              <a:rPr lang="en-CA" dirty="0" smtClean="0"/>
+              <a:t>F (t)</a:t>
             </a:r>
             <a:endParaRPr lang="en-US" dirty="0"/>
           </a:p>
@@ -5380,8 +5393,8 @@
           </a:prstGeom>
         </p:spPr>
       </p:pic>
-      <mc:AlternateContent xmlns:mc="http://schemas.openxmlformats.org/markup-compatibility/2006">
-        <mc:Choice xmlns:a14="http://schemas.microsoft.com/office/drawing/2010/main" Requires="a14">
+      <mc:AlternateContent xmlns:mc="http://schemas.openxmlformats.org/markup-compatibility/2006" xmlns:a14="http://schemas.microsoft.com/office/drawing/2010/main">
+        <mc:Choice Requires="a14">
           <p:sp>
             <p:nvSpPr>
               <p:cNvPr id="7" name="Rectangle 6"/>
@@ -5403,6 +5416,7 @@
               </a:bodyPr>
               <a:lstStyle/>
               <a:p>
+                <a:pPr/>
                 <a14:m>
                   <m:oMathPara xmlns:m="http://schemas.openxmlformats.org/officeDocument/2006/math">
                     <m:oMathParaPr>
@@ -5498,7 +5512,7 @@
             </p:txBody>
           </p:sp>
         </mc:Choice>
-        <mc:Fallback>
+        <mc:Fallback xmlns="">
           <p:sp>
             <p:nvSpPr>
               <p:cNvPr id="7" name="Rectangle 6"/>
@@ -5537,8 +5551,8 @@
           </p:sp>
         </mc:Fallback>
       </mc:AlternateContent>
-      <mc:AlternateContent xmlns:mc="http://schemas.openxmlformats.org/markup-compatibility/2006">
-        <mc:Choice xmlns:a14="http://schemas.microsoft.com/office/drawing/2010/main" Requires="a14">
+      <mc:AlternateContent xmlns:mc="http://schemas.openxmlformats.org/markup-compatibility/2006" xmlns:a14="http://schemas.microsoft.com/office/drawing/2010/main">
+        <mc:Choice Requires="a14">
           <p:sp>
             <p:nvSpPr>
               <p:cNvPr id="8" name="Rectangle 7"/>
@@ -5560,6 +5574,7 @@
               </a:bodyPr>
               <a:lstStyle/>
               <a:p>
+                <a:pPr/>
                 <a14:m>
                   <m:oMathPara xmlns:m="http://schemas.openxmlformats.org/officeDocument/2006/math">
                     <m:oMathParaPr>
@@ -5673,7 +5688,7 @@
             </p:txBody>
           </p:sp>
         </mc:Choice>
-        <mc:Fallback>
+        <mc:Fallback xmlns="">
           <p:sp>
             <p:nvSpPr>
               <p:cNvPr id="8" name="Rectangle 7"/>
@@ -5841,7 +5856,7 @@
         <p:spPr>
           <a:xfrm>
             <a:off x="1230284" y="5496349"/>
-            <a:ext cx="9750829" cy="923330"/>
+            <a:ext cx="9750829" cy="707886"/>
           </a:xfrm>
           <a:prstGeom prst="rect">
             <a:avLst/>
@@ -5855,43 +5870,49 @@
           <a:lstStyle/>
           <a:p>
             <a:r>
-              <a:rPr lang="en-CA" b="1" dirty="0" smtClean="0"/>
+              <a:rPr lang="en-CA" sz="2000" b="1" dirty="0" smtClean="0"/>
               <a:t>			H</a:t>
             </a:r>
             <a:r>
-              <a:rPr lang="en-CA" b="1" dirty="0"/>
+              <a:rPr lang="en-CA" sz="2000" b="1" dirty="0"/>
               <a:t>= 0.2365									S= -</a:t>
             </a:r>
             <a:r>
-              <a:rPr lang="en-CA" b="1" dirty="0" smtClean="0"/>
+              <a:rPr lang="en-CA" sz="2000" b="1" dirty="0" smtClean="0"/>
               <a:t>0.1639</a:t>
             </a:r>
-          </a:p>
-          <a:p>
-            <a:endParaRPr lang="en-CA" b="1" dirty="0" smtClean="0"/>
-          </a:p>
-          <a:p>
-            <a:r>
-              <a:rPr lang="en-CA" b="1" dirty="0" smtClean="0"/>
-              <a:t>Ideal CSTR	H=</a:t>
-            </a:r>
-            <a:r>
-              <a:rPr lang="en-US" b="1" dirty="0"/>
+            <a:endParaRPr lang="en-CA" sz="2000" b="1" dirty="0" smtClean="0"/>
+          </a:p>
+          <a:p>
+            <a:r>
+              <a:rPr lang="en-CA" sz="2000" b="1" dirty="0" smtClean="0"/>
+              <a:t>Ideal CSTR	H</a:t>
+            </a:r>
+            <a:r>
+              <a:rPr lang="en-CA" sz="2000" b="1" dirty="0" smtClean="0"/>
+              <a:t>= </a:t>
+            </a:r>
+            <a:r>
+              <a:rPr lang="en-US" sz="2000" b="1" dirty="0" smtClean="0"/>
               <a:t>e</a:t>
             </a:r>
             <a:r>
-              <a:rPr lang="en-US" b="1" baseline="30000" dirty="0"/>
+              <a:rPr lang="en-US" sz="2000" b="1" baseline="30000" dirty="0" smtClean="0"/>
               <a:t>-1</a:t>
             </a:r>
             <a:r>
-              <a:rPr lang="en-US" b="1" dirty="0"/>
-              <a:t> ( ≈ </a:t>
-            </a:r>
-            <a:r>
-              <a:rPr lang="en-US" b="1" dirty="0" smtClean="0"/>
+              <a:rPr lang="en-US" sz="2000" b="1" dirty="0" smtClean="0"/>
+              <a:t> </a:t>
+            </a:r>
+            <a:r>
+              <a:rPr lang="en-US" sz="2000" b="1" dirty="0"/>
+              <a:t>( ≈ </a:t>
+            </a:r>
+            <a:r>
+              <a:rPr lang="en-US" sz="2000" b="1" dirty="0" smtClean="0"/>
               <a:t>0.3679)								S=0</a:t>
             </a:r>
-            <a:endParaRPr lang="en-US" b="1" dirty="0"/>
+            <a:endParaRPr lang="en-US" sz="2000" b="1" dirty="0"/>
           </a:p>
         </p:txBody>
       </p:sp>
@@ -5982,7 +6003,9 @@
                     <m:sSub>
                       <m:sSubPr>
                         <m:ctrlPr>
-                          <a:rPr lang="en-US" i="1" smtClean="0"/>
+                          <a:rPr lang="en-US" b="1" i="1" smtClean="0">
+                            <a:latin typeface="Cambria Math" panose="02040503050406030204" pitchFamily="18" charset="0"/>
+                          </a:rPr>
                         </m:ctrlPr>
                       </m:sSubPr>
                       <m:e>
@@ -5990,48 +6013,66 @@
                           <m:barPr>
                             <m:pos m:val="top"/>
                             <m:ctrlPr>
-                              <a:rPr lang="en-US" i="1"/>
+                              <a:rPr lang="en-US" b="1" i="1">
+                                <a:latin typeface="Cambria Math" panose="02040503050406030204" pitchFamily="18" charset="0"/>
+                              </a:rPr>
                             </m:ctrlPr>
                           </m:barPr>
                           <m:e>
                             <m:r>
-                              <a:rPr lang="en-US" i="1"/>
-                              <m:t>𝑡</m:t>
+                              <a:rPr lang="en-US" b="1" i="1">
+                                <a:latin typeface="Cambria Math" panose="02040503050406030204" pitchFamily="18" charset="0"/>
+                              </a:rPr>
+                              <m:t>𝒕</m:t>
                             </m:r>
                           </m:e>
                         </m:bar>
                       </m:e>
                       <m:sub>
                         <m:r>
-                          <a:rPr lang="en-US" i="1"/>
-                          <m:t>𝐷𝑒𝑎𝑑</m:t>
+                          <a:rPr lang="en-US" b="1" i="1">
+                            <a:latin typeface="Cambria Math" panose="02040503050406030204" pitchFamily="18" charset="0"/>
+                          </a:rPr>
+                          <m:t>𝑫𝒆𝒂𝒅</m:t>
                         </m:r>
                         <m:r>
-                          <a:rPr lang="en-US" i="1"/>
+                          <a:rPr lang="en-US" b="1" i="1">
+                            <a:latin typeface="Cambria Math" panose="02040503050406030204" pitchFamily="18" charset="0"/>
+                          </a:rPr>
                           <m:t> </m:t>
                         </m:r>
                         <m:r>
-                          <a:rPr lang="en-US" i="1"/>
-                          <m:t>𝑆𝑝𝑎𝑐𝑒</m:t>
+                          <a:rPr lang="en-US" b="1" i="1">
+                            <a:latin typeface="Cambria Math" panose="02040503050406030204" pitchFamily="18" charset="0"/>
+                          </a:rPr>
+                          <m:t>𝑺𝒑𝒂𝒄𝒆</m:t>
                         </m:r>
                       </m:sub>
                     </m:sSub>
                     <m:r>
-                      <a:rPr lang="en-US" i="1"/>
+                      <a:rPr lang="en-US" b="1" i="1">
+                        <a:latin typeface="Cambria Math" panose="02040503050406030204" pitchFamily="18" charset="0"/>
+                      </a:rPr>
                       <m:t>&lt;</m:t>
                     </m:r>
                     <m:r>
-                      <a:rPr lang="en-US" i="1"/>
-                      <m:t>𝜏</m:t>
+                      <a:rPr lang="en-US" b="1" i="1">
+                        <a:latin typeface="Cambria Math" panose="02040503050406030204" pitchFamily="18" charset="0"/>
+                      </a:rPr>
+                      <m:t>𝝉</m:t>
                     </m:r>
                     <m:r>
-                      <a:rPr lang="en-US" i="1"/>
+                      <a:rPr lang="en-US" b="1" i="1">
+                        <a:latin typeface="Cambria Math" panose="02040503050406030204" pitchFamily="18" charset="0"/>
+                      </a:rPr>
                       <m:t>&lt;</m:t>
                     </m:r>
                     <m:sSub>
                       <m:sSubPr>
                         <m:ctrlPr>
-                          <a:rPr lang="en-US" i="1"/>
+                          <a:rPr lang="en-US" b="1" i="1">
+                            <a:latin typeface="Cambria Math" panose="02040503050406030204" pitchFamily="18" charset="0"/>
+                          </a:rPr>
                         </m:ctrlPr>
                       </m:sSubPr>
                       <m:e>
@@ -6039,60 +6080,70 @@
                           <m:barPr>
                             <m:pos m:val="top"/>
                             <m:ctrlPr>
-                              <a:rPr lang="en-US" i="1"/>
+                              <a:rPr lang="en-US" b="1" i="1">
+                                <a:latin typeface="Cambria Math" panose="02040503050406030204" pitchFamily="18" charset="0"/>
+                              </a:rPr>
                             </m:ctrlPr>
                           </m:barPr>
                           <m:e>
                             <m:r>
-                              <a:rPr lang="en-US" i="1"/>
-                              <m:t>𝑡</m:t>
+                              <a:rPr lang="en-US" b="1" i="1">
+                                <a:latin typeface="Cambria Math" panose="02040503050406030204" pitchFamily="18" charset="0"/>
+                              </a:rPr>
+                              <m:t>𝒕</m:t>
                             </m:r>
                           </m:e>
                         </m:bar>
                       </m:e>
                       <m:sub>
                         <m:r>
-                          <a:rPr lang="en-US" i="1"/>
-                          <m:t>𝐵𝑦</m:t>
+                          <a:rPr lang="en-US" b="1" i="1">
+                            <a:latin typeface="Cambria Math" panose="02040503050406030204" pitchFamily="18" charset="0"/>
+                          </a:rPr>
+                          <m:t>𝑩𝒚</m:t>
                         </m:r>
                         <m:r>
-                          <a:rPr lang="en-US" i="1"/>
+                          <a:rPr lang="en-US" b="1" i="1">
+                            <a:latin typeface="Cambria Math" panose="02040503050406030204" pitchFamily="18" charset="0"/>
+                          </a:rPr>
                           <m:t>−</m:t>
                         </m:r>
                         <m:r>
-                          <a:rPr lang="en-US" i="1"/>
-                          <m:t>𝑝𝑎𝑠𝑠</m:t>
+                          <a:rPr lang="en-US" b="1" i="1">
+                            <a:latin typeface="Cambria Math" panose="02040503050406030204" pitchFamily="18" charset="0"/>
+                          </a:rPr>
+                          <m:t>𝒑𝒂𝒔𝒔</m:t>
                         </m:r>
                       </m:sub>
                     </m:sSub>
                   </m:oMath>
                 </a14:m>
-                <a:endParaRPr lang="en-CA" dirty="0" smtClean="0"/>
+                <a:endParaRPr lang="en-CA" b="1" dirty="0" smtClean="0"/>
               </a:p>
               <a:p>
-                <a:endParaRPr lang="en-CA" dirty="0" smtClean="0"/>
+                <a:endParaRPr lang="en-CA" b="1" dirty="0" smtClean="0"/>
               </a:p>
               <a:p>
-                <a:endParaRPr lang="en-CA" dirty="0"/>
+                <a:endParaRPr lang="en-CA" b="1" dirty="0"/>
               </a:p>
               <a:p>
                 <a:r>
-                  <a:rPr lang="en-CA" dirty="0" smtClean="0"/>
+                  <a:rPr lang="en-CA" b="1" dirty="0" smtClean="0"/>
                   <a:t>For a trial with internal recycle pump turned off</a:t>
                 </a:r>
               </a:p>
               <a:p>
-                <a:endParaRPr lang="en-CA" dirty="0" smtClean="0"/>
+                <a:endParaRPr lang="en-CA" b="1" dirty="0" smtClean="0"/>
               </a:p>
               <a:p>
-                <a:endParaRPr lang="en-CA" dirty="0"/>
+                <a:endParaRPr lang="en-CA" b="1" dirty="0"/>
               </a:p>
               <a:p>
                 <a:r>
-                  <a:rPr lang="en-CA" dirty="0" smtClean="0"/>
+                  <a:rPr lang="en-CA" b="1" dirty="0" smtClean="0"/>
                   <a:t>7.5% by-passing </a:t>
                 </a:r>
-                <a:endParaRPr lang="en-US" dirty="0"/>
+                <a:endParaRPr lang="en-US" b="1" dirty="0"/>
               </a:p>
             </p:txBody>
           </p:sp>
@@ -6125,7 +6176,7 @@
               <a:lstStyle/>
               <a:p>
                 <a:r>
-                  <a:rPr lang="en-US">
+                  <a:rPr lang="en-CA">
                     <a:noFill/>
                   </a:rPr>
                   <a:t> </a:t>
@@ -6146,7 +6197,7 @@
             <p:spPr>
               <a:xfrm>
                 <a:off x="1097280" y="2539538"/>
-                <a:ext cx="3256469" cy="431015"/>
+                <a:ext cx="3363228" cy="438262"/>
               </a:xfrm>
               <a:prstGeom prst="rect">
                 <a:avLst/>
@@ -6162,13 +6213,13 @@
                 <a14:m>
                   <m:oMath xmlns:m="http://schemas.openxmlformats.org/officeDocument/2006/math">
                     <m:r>
-                      <a:rPr lang="en-CA" b="0" i="1" smtClean="0">
+                      <a:rPr lang="en-CA" b="1" i="1" smtClean="0">
                         <a:latin typeface="Cambria Math" panose="02040503050406030204" pitchFamily="18" charset="0"/>
                       </a:rPr>
-                      <m:t>𝜏</m:t>
+                      <m:t>𝝉</m:t>
                     </m:r>
                     <m:r>
-                      <a:rPr lang="en-CA" b="0" i="1" smtClean="0">
+                      <a:rPr lang="en-CA" b="1" i="1" smtClean="0">
                         <a:latin typeface="Cambria Math" panose="02040503050406030204" pitchFamily="18" charset="0"/>
                       </a:rPr>
                       <m:t>=</m:t>
@@ -6176,7 +6227,7 @@
                     <m:f>
                       <m:fPr>
                         <m:ctrlPr>
-                          <a:rPr lang="en-CA" b="0" i="1" smtClean="0">
+                          <a:rPr lang="en-CA" b="1" i="1" smtClean="0">
                             <a:latin typeface="Cambria Math" panose="02040503050406030204" pitchFamily="18" charset="0"/>
                           </a:rPr>
                         </m:ctrlPr>
@@ -6185,30 +6236,30 @@
                         <m:sSub>
                           <m:sSubPr>
                             <m:ctrlPr>
-                              <a:rPr lang="en-CA" b="0" i="1" smtClean="0">
+                              <a:rPr lang="en-CA" b="1" i="1" smtClean="0">
                                 <a:latin typeface="Cambria Math" panose="02040503050406030204" pitchFamily="18" charset="0"/>
                               </a:rPr>
                             </m:ctrlPr>
                           </m:sSubPr>
                           <m:e>
                             <m:r>
-                              <a:rPr lang="en-CA" b="0" i="1" smtClean="0">
+                              <a:rPr lang="en-CA" b="1" i="1" smtClean="0">
                                 <a:latin typeface="Cambria Math" panose="02040503050406030204" pitchFamily="18" charset="0"/>
                               </a:rPr>
-                              <m:t>𝑉</m:t>
+                              <m:t>𝑽</m:t>
                             </m:r>
                           </m:e>
                           <m:sub>
                             <m:r>
-                              <a:rPr lang="en-CA" b="0" i="1" smtClean="0">
+                              <a:rPr lang="en-CA" b="1" i="1" smtClean="0">
                                 <a:latin typeface="Cambria Math" panose="02040503050406030204" pitchFamily="18" charset="0"/>
                               </a:rPr>
-                              <m:t>1</m:t>
+                              <m:t>𝟏</m:t>
                             </m:r>
                           </m:sub>
                         </m:sSub>
                         <m:r>
-                          <a:rPr lang="en-CA" b="0" i="1" smtClean="0">
+                          <a:rPr lang="en-CA" b="1" i="1" smtClean="0">
                             <a:latin typeface="Cambria Math" panose="02040503050406030204" pitchFamily="18" charset="0"/>
                           </a:rPr>
                           <m:t>+</m:t>
@@ -6216,30 +6267,30 @@
                         <m:sSub>
                           <m:sSubPr>
                             <m:ctrlPr>
-                              <a:rPr lang="en-CA" b="0" i="1" smtClean="0">
+                              <a:rPr lang="en-CA" b="1" i="1" smtClean="0">
                                 <a:latin typeface="Cambria Math" panose="02040503050406030204" pitchFamily="18" charset="0"/>
                               </a:rPr>
                             </m:ctrlPr>
                           </m:sSubPr>
                           <m:e>
                             <m:r>
-                              <a:rPr lang="en-CA" b="0" i="1" smtClean="0">
+                              <a:rPr lang="en-CA" b="1" i="1" smtClean="0">
                                 <a:latin typeface="Cambria Math" panose="02040503050406030204" pitchFamily="18" charset="0"/>
                               </a:rPr>
-                              <m:t>𝑉</m:t>
+                              <m:t>𝑽</m:t>
                             </m:r>
                           </m:e>
                           <m:sub>
                             <m:r>
-                              <a:rPr lang="en-CA" b="0" i="1" smtClean="0">
+                              <a:rPr lang="en-CA" b="1" i="1" smtClean="0">
                                 <a:latin typeface="Cambria Math" panose="02040503050406030204" pitchFamily="18" charset="0"/>
                               </a:rPr>
-                              <m:t>2</m:t>
+                              <m:t>𝟐</m:t>
                             </m:r>
                           </m:sub>
                         </m:sSub>
                         <m:r>
-                          <a:rPr lang="en-CA" b="0" i="1" smtClean="0">
+                          <a:rPr lang="en-CA" b="1" i="1" smtClean="0">
                             <a:latin typeface="Cambria Math" panose="02040503050406030204" pitchFamily="18" charset="0"/>
                           </a:rPr>
                           <m:t>+</m:t>
@@ -6247,25 +6298,25 @@
                         <m:sSub>
                           <m:sSubPr>
                             <m:ctrlPr>
-                              <a:rPr lang="en-CA" b="0" i="1" smtClean="0">
+                              <a:rPr lang="en-CA" b="1" i="1" smtClean="0">
                                 <a:latin typeface="Cambria Math" panose="02040503050406030204" pitchFamily="18" charset="0"/>
                               </a:rPr>
                             </m:ctrlPr>
                           </m:sSubPr>
                           <m:e>
                             <m:r>
-                              <a:rPr lang="en-CA" b="0" i="1" smtClean="0">
+                              <a:rPr lang="en-CA" b="1" i="1" smtClean="0">
                                 <a:latin typeface="Cambria Math" panose="02040503050406030204" pitchFamily="18" charset="0"/>
                               </a:rPr>
-                              <m:t>𝑉</m:t>
+                              <m:t>𝑽</m:t>
                             </m:r>
                           </m:e>
                           <m:sub>
                             <m:r>
-                              <a:rPr lang="en-CA" b="0" i="1" smtClean="0">
+                              <a:rPr lang="en-CA" b="1" i="1" smtClean="0">
                                 <a:latin typeface="Cambria Math" panose="02040503050406030204" pitchFamily="18" charset="0"/>
                               </a:rPr>
-                              <m:t>3</m:t>
+                              <m:t>𝟑</m:t>
                             </m:r>
                           </m:sub>
                         </m:sSub>
@@ -6274,32 +6325,32 @@
                         <m:sSub>
                           <m:sSubPr>
                             <m:ctrlPr>
-                              <a:rPr lang="en-CA" b="0" i="1" smtClean="0">
+                              <a:rPr lang="en-CA" b="1" i="1" smtClean="0">
                                 <a:latin typeface="Cambria Math" panose="02040503050406030204" pitchFamily="18" charset="0"/>
                               </a:rPr>
                             </m:ctrlPr>
                           </m:sSubPr>
                           <m:e>
                             <m:r>
-                              <a:rPr lang="en-CA" b="0" i="1" smtClean="0">
+                              <a:rPr lang="en-CA" b="1" i="1" smtClean="0">
                                 <a:latin typeface="Cambria Math" panose="02040503050406030204" pitchFamily="18" charset="0"/>
                               </a:rPr>
-                              <m:t>𝑣</m:t>
+                              <m:t>𝒗</m:t>
                             </m:r>
                           </m:e>
                           <m:sub>
                             <m:r>
-                              <a:rPr lang="en-CA" b="0" i="1" smtClean="0">
+                              <a:rPr lang="en-CA" b="1" i="1" smtClean="0">
                                 <a:latin typeface="Cambria Math" panose="02040503050406030204" pitchFamily="18" charset="0"/>
                               </a:rPr>
-                              <m:t>1</m:t>
+                              <m:t>𝟏</m:t>
                             </m:r>
                           </m:sub>
                         </m:sSub>
                       </m:den>
                     </m:f>
                     <m:r>
-                      <a:rPr lang="en-CA" b="0" i="1" smtClean="0">
+                      <a:rPr lang="en-CA" b="1" i="1" smtClean="0">
                         <a:latin typeface="Cambria Math" panose="02040503050406030204" pitchFamily="18" charset="0"/>
                       </a:rPr>
                       <m:t>=</m:t>
@@ -6307,83 +6358,95 @@
                     <m:f>
                       <m:fPr>
                         <m:ctrlPr>
-                          <a:rPr lang="en-CA" b="0" i="1" smtClean="0">
+                          <a:rPr lang="en-CA" b="1" i="1" smtClean="0">
                             <a:latin typeface="Cambria Math" panose="02040503050406030204" pitchFamily="18" charset="0"/>
                           </a:rPr>
                         </m:ctrlPr>
                       </m:fPr>
                       <m:num>
                         <m:r>
-                          <a:rPr lang="en-CA" b="0" i="1" smtClean="0">
+                          <a:rPr lang="en-CA" b="1" i="1" smtClean="0">
                             <a:latin typeface="Cambria Math" panose="02040503050406030204" pitchFamily="18" charset="0"/>
                           </a:rPr>
-                          <m:t>10</m:t>
+                          <m:t>𝟏𝟎</m:t>
                         </m:r>
                         <m:r>
-                          <a:rPr lang="en-CA" b="0" i="1" smtClean="0">
+                          <a:rPr lang="en-CA" b="1" i="1" smtClean="0">
                             <a:latin typeface="Cambria Math" panose="02040503050406030204" pitchFamily="18" charset="0"/>
                           </a:rPr>
-                          <m:t>𝐿</m:t>
+                          <m:t>𝑳</m:t>
                         </m:r>
                         <m:r>
-                          <a:rPr lang="en-CA" b="0" i="1" smtClean="0">
+                          <a:rPr lang="en-CA" b="1" i="1" smtClean="0">
                             <a:latin typeface="Cambria Math" panose="02040503050406030204" pitchFamily="18" charset="0"/>
                           </a:rPr>
-                          <m:t>+10</m:t>
+                          <m:t>+</m:t>
                         </m:r>
                         <m:r>
-                          <a:rPr lang="en-CA" b="0" i="1" smtClean="0">
+                          <a:rPr lang="en-CA" b="1" i="1" smtClean="0">
                             <a:latin typeface="Cambria Math" panose="02040503050406030204" pitchFamily="18" charset="0"/>
                           </a:rPr>
-                          <m:t>𝐿</m:t>
+                          <m:t>𝟏𝟎</m:t>
                         </m:r>
                         <m:r>
-                          <a:rPr lang="en-CA" b="0" i="1" smtClean="0">
+                          <a:rPr lang="en-CA" b="1" i="1" smtClean="0">
                             <a:latin typeface="Cambria Math" panose="02040503050406030204" pitchFamily="18" charset="0"/>
                           </a:rPr>
-                          <m:t>+45</m:t>
+                          <m:t>𝑳</m:t>
                         </m:r>
                         <m:r>
-                          <a:rPr lang="en-CA" b="0" i="1" smtClean="0">
+                          <a:rPr lang="en-CA" b="1" i="1" smtClean="0">
                             <a:latin typeface="Cambria Math" panose="02040503050406030204" pitchFamily="18" charset="0"/>
                           </a:rPr>
-                          <m:t>𝐿</m:t>
+                          <m:t>+</m:t>
+                        </m:r>
+                        <m:r>
+                          <a:rPr lang="en-CA" b="1" i="1" smtClean="0">
+                            <a:latin typeface="Cambria Math" panose="02040503050406030204" pitchFamily="18" charset="0"/>
+                          </a:rPr>
+                          <m:t>𝟒𝟓</m:t>
+                        </m:r>
+                        <m:r>
+                          <a:rPr lang="en-CA" b="1" i="1" smtClean="0">
+                            <a:latin typeface="Cambria Math" panose="02040503050406030204" pitchFamily="18" charset="0"/>
+                          </a:rPr>
+                          <m:t>𝑳</m:t>
                         </m:r>
                       </m:num>
                       <m:den>
                         <m:r>
-                          <a:rPr lang="en-CA" b="0" i="1" smtClean="0">
+                          <a:rPr lang="en-CA" b="1" i="1" smtClean="0">
                             <a:latin typeface="Cambria Math" panose="02040503050406030204" pitchFamily="18" charset="0"/>
                           </a:rPr>
-                          <m:t>10</m:t>
+                          <m:t>𝟏𝟎</m:t>
                         </m:r>
                         <m:r>
-                          <a:rPr lang="en-CA" b="0" i="1" smtClean="0">
+                          <a:rPr lang="en-CA" b="1" i="1" smtClean="0">
                             <a:latin typeface="Cambria Math" panose="02040503050406030204" pitchFamily="18" charset="0"/>
                           </a:rPr>
-                          <m:t>𝐿</m:t>
+                          <m:t>𝑳</m:t>
                         </m:r>
                         <m:r>
-                          <a:rPr lang="en-CA" b="0" i="1" smtClean="0">
+                          <a:rPr lang="en-CA" b="1" i="1" smtClean="0">
                             <a:latin typeface="Cambria Math" panose="02040503050406030204" pitchFamily="18" charset="0"/>
                           </a:rPr>
                           <m:t>/</m:t>
                         </m:r>
                         <m:r>
-                          <a:rPr lang="en-CA" b="0" i="1" smtClean="0">
+                          <a:rPr lang="en-CA" b="1" i="1" smtClean="0">
                             <a:latin typeface="Cambria Math" panose="02040503050406030204" pitchFamily="18" charset="0"/>
                           </a:rPr>
-                          <m:t>h</m:t>
+                          <m:t>𝒉</m:t>
                         </m:r>
                       </m:den>
                     </m:f>
                   </m:oMath>
                 </a14:m>
                 <a:r>
-                  <a:rPr lang="en-US" dirty="0" smtClean="0"/>
+                  <a:rPr lang="en-US" b="1" dirty="0" smtClean="0"/>
                   <a:t>= 6.5hr</a:t>
                 </a:r>
-                <a:endParaRPr lang="en-US" dirty="0"/>
+                <a:endParaRPr lang="en-US" b="1" dirty="0"/>
               </a:p>
             </p:txBody>
           </p:sp>
@@ -6400,7 +6463,7 @@
             <p:spPr>
               <a:xfrm>
                 <a:off x="1097280" y="2539538"/>
-                <a:ext cx="3256469" cy="431015"/>
+                <a:ext cx="3363228" cy="438262"/>
               </a:xfrm>
               <a:prstGeom prst="rect">
                 <a:avLst/>
@@ -6408,7 +6471,7 @@
               <a:blipFill>
                 <a:blip r:embed="rId3"/>
                 <a:stretch>
-                  <a:fillRect l="-1873" t="-4286" r="-3371" b="-18571"/>
+                  <a:fillRect l="-1812" t="-1408" r="-3261" b="-19718"/>
                 </a:stretch>
               </a:blipFill>
             </p:spPr>
@@ -6417,7 +6480,7 @@
               <a:lstStyle/>
               <a:p>
                 <a:r>
-                  <a:rPr lang="en-US">
+                  <a:rPr lang="en-CA">
                     <a:noFill/>
                   </a:rPr>
                   <a:t> </a:t>
@@ -6456,22 +6519,22 @@
                       <m:barPr>
                         <m:pos m:val="top"/>
                         <m:ctrlPr>
-                          <a:rPr lang="en-US">
+                          <a:rPr lang="en-US" b="1" i="1">
                             <a:latin typeface="Cambria Math" panose="02040503050406030204" pitchFamily="18" charset="0"/>
                           </a:rPr>
                         </m:ctrlPr>
                       </m:barPr>
                       <m:e>
                         <m:r>
-                          <a:rPr lang="en-US" i="1">
+                          <a:rPr lang="en-US" b="1" i="1">
                             <a:latin typeface="Cambria Math" panose="02040503050406030204" pitchFamily="18" charset="0"/>
                           </a:rPr>
-                          <m:t>𝑡</m:t>
+                          <m:t>𝒕</m:t>
                         </m:r>
                       </m:e>
                     </m:bar>
                     <m:r>
-                      <a:rPr lang="en-US" i="0">
+                      <a:rPr lang="en-US" b="1" i="0">
                         <a:latin typeface="Cambria Math" panose="02040503050406030204" pitchFamily="18" charset="0"/>
                       </a:rPr>
                       <m:t>=</m:t>
@@ -6480,22 +6543,22 @@
                       <m:naryPr>
                         <m:limLoc m:val="subSup"/>
                         <m:ctrlPr>
-                          <a:rPr lang="en-US" i="1">
+                          <a:rPr lang="en-US" b="1" i="1">
                             <a:latin typeface="Cambria Math" panose="02040503050406030204" pitchFamily="18" charset="0"/>
                           </a:rPr>
                         </m:ctrlPr>
                       </m:naryPr>
                       <m:sub>
                         <m:r>
-                          <a:rPr lang="en-US" i="0">
+                          <a:rPr lang="en-US" b="1" i="0">
                             <a:latin typeface="Cambria Math" panose="02040503050406030204" pitchFamily="18" charset="0"/>
                           </a:rPr>
-                          <m:t>0</m:t>
+                          <m:t>𝟎</m:t>
                         </m:r>
                       </m:sub>
                       <m:sup>
                         <m:r>
-                          <a:rPr lang="en-US" i="0">
+                          <a:rPr lang="en-US" b="1" i="0">
                             <a:latin typeface="Cambria Math" panose="02040503050406030204" pitchFamily="18" charset="0"/>
                           </a:rPr>
                           <m:t>∞</m:t>
@@ -6503,47 +6566,47 @@
                       </m:sup>
                       <m:e>
                         <m:r>
-                          <a:rPr lang="en-US" i="1">
+                          <a:rPr lang="en-US" b="1" i="1">
                             <a:latin typeface="Cambria Math" panose="02040503050406030204" pitchFamily="18" charset="0"/>
                           </a:rPr>
-                          <m:t>𝑡𝐸</m:t>
+                          <m:t>𝒕𝑬</m:t>
                         </m:r>
                         <m:d>
                           <m:dPr>
                             <m:ctrlPr>
-                              <a:rPr lang="en-US" i="1">
+                              <a:rPr lang="en-US" b="1" i="1">
                                 <a:latin typeface="Cambria Math" panose="02040503050406030204" pitchFamily="18" charset="0"/>
                               </a:rPr>
                             </m:ctrlPr>
                           </m:dPr>
                           <m:e>
                             <m:r>
-                              <a:rPr lang="en-US" i="1">
+                              <a:rPr lang="en-US" b="1" i="1">
                                 <a:latin typeface="Cambria Math" panose="02040503050406030204" pitchFamily="18" charset="0"/>
                               </a:rPr>
-                              <m:t>𝑡</m:t>
+                              <m:t>𝒕</m:t>
                             </m:r>
                           </m:e>
                         </m:d>
                         <m:r>
-                          <a:rPr lang="en-US" i="1">
+                          <a:rPr lang="en-US" b="1" i="1">
                             <a:latin typeface="Cambria Math" panose="02040503050406030204" pitchFamily="18" charset="0"/>
                           </a:rPr>
-                          <m:t>𝑑𝑡</m:t>
+                          <m:t>𝒅𝒕</m:t>
                         </m:r>
                       </m:e>
                     </m:nary>
                   </m:oMath>
                 </a14:m>
                 <a:r>
-                  <a:rPr lang="en-US" dirty="0" smtClean="0"/>
+                  <a:rPr lang="en-US" b="1" dirty="0" smtClean="0"/>
                   <a:t>= 7.02 </a:t>
                 </a:r>
                 <a:r>
-                  <a:rPr lang="en-US" dirty="0" err="1" smtClean="0"/>
+                  <a:rPr lang="en-US" b="1" dirty="0" err="1" smtClean="0"/>
                   <a:t>hr</a:t>
                 </a:r>
-                <a:endParaRPr lang="en-US" dirty="0"/>
+                <a:endParaRPr lang="en-US" b="1" dirty="0"/>
               </a:p>
             </p:txBody>
           </p:sp>
@@ -6568,7 +6631,7 @@
               <a:blipFill>
                 <a:blip r:embed="rId4"/>
                 <a:stretch>
-                  <a:fillRect l="-487" t="-115068" r="-973" b="-179452"/>
+                  <a:fillRect l="-487" t="-115068" r="-2190" b="-179452"/>
                 </a:stretch>
               </a:blipFill>
             </p:spPr>
@@ -6577,7 +6640,7 @@
               <a:lstStyle/>
               <a:p>
                 <a:r>
-                  <a:rPr lang="en-US">
+                  <a:rPr lang="en-CA">
                     <a:noFill/>
                   </a:rPr>
                   <a:t> </a:t>
@@ -6714,8 +6777,13 @@
             </a:pPr>
             <a:r>
               <a:rPr lang="en-CA" b="1" dirty="0" smtClean="0"/>
-              <a:t>Union with kinetic models</a:t>
-            </a:r>
+              <a:t>Union with kinetic </a:t>
+            </a:r>
+            <a:r>
+              <a:rPr lang="en-CA" b="1" dirty="0" smtClean="0"/>
+              <a:t>models (ex. ASM2D)</a:t>
+            </a:r>
+            <a:endParaRPr lang="en-CA" b="1" dirty="0" smtClean="0"/>
           </a:p>
           <a:p>
             <a:pPr>
@@ -6734,11 +6802,7 @@
             </a:pPr>
             <a:r>
               <a:rPr lang="en-CA" b="1" dirty="0" smtClean="0"/>
-              <a:t>Create a </a:t>
-            </a:r>
-            <a:r>
-              <a:rPr lang="en-CA" b="1" dirty="0" smtClean="0"/>
-              <a:t>CFD model</a:t>
+              <a:t>Create a CFD model</a:t>
             </a:r>
           </a:p>
           <a:p>
@@ -7441,7 +7505,11 @@
           <a:p>
             <a:r>
               <a:rPr lang="en-CA" dirty="0" smtClean="0"/>
-              <a:t>Table of contents</a:t>
+              <a:t>Table of </a:t>
+            </a:r>
+            <a:r>
+              <a:rPr lang="en-CA" dirty="0" smtClean="0"/>
+              <a:t>Contents</a:t>
             </a:r>
             <a:endParaRPr lang="en-US" dirty="0"/>
           </a:p>
@@ -7473,8 +7541,9 @@
             </a:pPr>
             <a:r>
               <a:rPr lang="en-CA" b="1" dirty="0" smtClean="0"/>
-              <a:t>Introduction</a:t>
-            </a:r>
+              <a:t>Water Engineering</a:t>
+            </a:r>
+            <a:endParaRPr lang="en-CA" b="1" dirty="0" smtClean="0"/>
           </a:p>
           <a:p>
             <a:pPr marL="457200" indent="-457200">
@@ -7482,14 +7551,13 @@
               <a:buAutoNum type="arabicPeriod"/>
             </a:pPr>
             <a:r>
-              <a:rPr lang="en-CA" b="1" dirty="0" err="1" smtClean="0"/>
-              <a:t>Coventional</a:t>
-            </a:r>
-            <a:r>
               <a:rPr lang="en-CA" b="1" dirty="0" smtClean="0"/>
-              <a:t> Bioreactor</a:t>
-            </a:r>
-            <a:endParaRPr lang="en-CA" b="1" dirty="0" smtClean="0"/>
+              <a:t>Conventional </a:t>
+            </a:r>
+            <a:r>
+              <a:rPr lang="en-CA" b="1" dirty="0" smtClean="0"/>
+              <a:t>Bioreactor</a:t>
+            </a:r>
           </a:p>
           <a:p>
             <a:pPr marL="457200" indent="-457200">
@@ -7500,7 +7568,6 @@
               <a:rPr lang="en-CA" b="1" dirty="0" smtClean="0"/>
               <a:t>Vertical Bioreactors</a:t>
             </a:r>
-            <a:endParaRPr lang="en-CA" b="1" dirty="0" smtClean="0"/>
           </a:p>
           <a:p>
             <a:pPr marL="457200" indent="-457200">
@@ -7529,8 +7596,13 @@
             </a:pPr>
             <a:r>
               <a:rPr lang="en-CA" b="1" dirty="0" smtClean="0"/>
-              <a:t>Concentration curve</a:t>
-            </a:r>
+              <a:t>Concentration </a:t>
+            </a:r>
+            <a:r>
+              <a:rPr lang="en-CA" b="1" dirty="0" smtClean="0"/>
+              <a:t>Curve</a:t>
+            </a:r>
+            <a:endParaRPr lang="en-CA" b="1" dirty="0" smtClean="0"/>
           </a:p>
           <a:p>
             <a:pPr marL="457200" indent="-457200">
@@ -7539,8 +7611,21 @@
             </a:pPr>
             <a:r>
               <a:rPr lang="en-CA" b="1" dirty="0" smtClean="0"/>
-              <a:t>Probability density function</a:t>
-            </a:r>
+              <a:t>Probability </a:t>
+            </a:r>
+            <a:r>
+              <a:rPr lang="en-CA" b="1" dirty="0" smtClean="0"/>
+              <a:t>Density </a:t>
+            </a:r>
+            <a:r>
+              <a:rPr lang="en-CA" b="1" dirty="0"/>
+              <a:t>F</a:t>
+            </a:r>
+            <a:r>
+              <a:rPr lang="en-CA" b="1" dirty="0" smtClean="0"/>
+              <a:t>unction</a:t>
+            </a:r>
+            <a:endParaRPr lang="en-CA" b="1" dirty="0" smtClean="0"/>
           </a:p>
           <a:p>
             <a:pPr marL="457200" indent="-457200">
@@ -7549,8 +7634,13 @@
             </a:pPr>
             <a:r>
               <a:rPr lang="en-CA" b="1" dirty="0" smtClean="0"/>
-              <a:t>Moments of a distribution</a:t>
-            </a:r>
+              <a:t>Moments of a </a:t>
+            </a:r>
+            <a:r>
+              <a:rPr lang="en-CA" b="1" dirty="0" smtClean="0"/>
+              <a:t>Distribution</a:t>
+            </a:r>
+            <a:endParaRPr lang="en-CA" b="1" dirty="0" smtClean="0"/>
           </a:p>
           <a:p>
             <a:pPr marL="457200" indent="-457200">
@@ -7839,8 +7929,21 @@
             </a:pPr>
             <a:r>
               <a:rPr lang="en-CA" b="1" dirty="0" smtClean="0"/>
-              <a:t>Model testing results</a:t>
-            </a:r>
+              <a:t>Model </a:t>
+            </a:r>
+            <a:r>
+              <a:rPr lang="en-CA" b="1" dirty="0" smtClean="0"/>
+              <a:t>Testing </a:t>
+            </a:r>
+            <a:r>
+              <a:rPr lang="en-CA" b="1" dirty="0"/>
+              <a:t>R</a:t>
+            </a:r>
+            <a:r>
+              <a:rPr lang="en-CA" b="1" dirty="0" smtClean="0"/>
+              <a:t>esults</a:t>
+            </a:r>
+            <a:endParaRPr lang="en-CA" b="1" dirty="0" smtClean="0"/>
           </a:p>
           <a:p>
             <a:pPr marL="457200" indent="-457200">
@@ -7849,8 +7952,13 @@
             </a:pPr>
             <a:r>
               <a:rPr lang="en-CA" b="1" dirty="0" smtClean="0"/>
-              <a:t>Distribution function</a:t>
-            </a:r>
+              <a:t>Distribution </a:t>
+            </a:r>
+            <a:r>
+              <a:rPr lang="en-CA" b="1" dirty="0" smtClean="0"/>
+              <a:t>Function</a:t>
+            </a:r>
+            <a:endParaRPr lang="en-CA" b="1" dirty="0" smtClean="0"/>
           </a:p>
           <a:p>
             <a:pPr marL="457200" indent="-457200">
@@ -7962,7 +8070,7 @@
           <a:p>
             <a:r>
               <a:rPr lang="en-CA" dirty="0" smtClean="0"/>
-              <a:t>Introduction</a:t>
+              <a:t>Water Engineering</a:t>
             </a:r>
             <a:endParaRPr lang="en-US" dirty="0"/>
           </a:p>
@@ -8088,8 +8196,8 @@
         </p:blipFill>
         <p:spPr>
           <a:xfrm>
-            <a:off x="6974378" y="1845734"/>
-            <a:ext cx="5119370" cy="3715482"/>
+            <a:off x="7352144" y="2290618"/>
+            <a:ext cx="4741603" cy="3270598"/>
           </a:xfrm>
           <a:prstGeom prst="rect">
             <a:avLst/>
@@ -8123,12 +8231,12 @@
               <a:t>Levels of wastewater treatment across </a:t>
             </a:r>
             <a:r>
-              <a:rPr lang="en-US" b="1" dirty="0" err="1"/>
-              <a:t>canada</a:t>
-            </a:r>
-            <a:r>
               <a:rPr lang="en-US" b="1" dirty="0"/>
-              <a:t> </a:t>
+              <a:t>C</a:t>
+            </a:r>
+            <a:r>
+              <a:rPr lang="en-US" b="1" dirty="0" smtClean="0"/>
+              <a:t>anada </a:t>
             </a:r>
             <a:r>
               <a:rPr lang="en-US" dirty="0" smtClean="0"/>
@@ -8215,7 +8323,11 @@
           <a:p>
             <a:r>
               <a:rPr lang="en-CA" b="1" dirty="0" smtClean="0"/>
-              <a:t>Large , expensive concrete structures</a:t>
+              <a:t>Large, </a:t>
+            </a:r>
+            <a:r>
+              <a:rPr lang="en-CA" b="1" dirty="0" smtClean="0"/>
+              <a:t>expensive concrete structures</a:t>
             </a:r>
           </a:p>
           <a:p>
@@ -8385,9 +8497,16 @@
             <p:ph idx="1"/>
           </p:nvPr>
         </p:nvSpPr>
-        <p:spPr/>
-        <p:txBody>
-          <a:bodyPr/>
+        <p:spPr>
+          <a:xfrm>
+            <a:off x="1097280" y="1845734"/>
+            <a:ext cx="10058400" cy="4351866"/>
+          </a:xfrm>
+        </p:spPr>
+        <p:txBody>
+          <a:bodyPr>
+            <a:normAutofit/>
+          </a:bodyPr>
           <a:lstStyle/>
           <a:p>
             <a:r>
@@ -8398,12 +8517,6 @@
               <a:rPr lang="en-US" b="1" dirty="0" smtClean="0"/>
               <a:t>stages</a:t>
             </a:r>
-          </a:p>
-          <a:p>
-            <a:r>
-              <a:rPr lang="en-CA" b="1" dirty="0" smtClean="0"/>
-              <a:t>(Anoxic 1, Anoxic 2, Aerobic)</a:t>
-            </a:r>
             <a:endParaRPr lang="en-US" b="1" dirty="0"/>
           </a:p>
           <a:p>
@@ -8447,17 +8560,38 @@
           </a:p>
           <a:p>
             <a:r>
+              <a:rPr lang="en-US" b="1" dirty="0" smtClean="0"/>
+              <a:t>Developed </a:t>
+            </a:r>
+            <a:r>
               <a:rPr lang="en-US" b="1" dirty="0"/>
-              <a:t>Developed by Dr. Reza and Dr. </a:t>
+              <a:t>by Dr. Reza and Dr. </a:t>
             </a:r>
             <a:r>
               <a:rPr lang="en-US" b="1" dirty="0" smtClean="0"/>
-              <a:t>Alvarez Cuenca</a:t>
+              <a:t>Alvarez </a:t>
+            </a:r>
+            <a:r>
+              <a:rPr lang="en-US" b="1" dirty="0" smtClean="0"/>
+              <a:t>Cuenca</a:t>
+            </a:r>
+          </a:p>
+          <a:p>
+            <a:r>
+              <a:rPr lang="en-US" b="1" dirty="0" smtClean="0"/>
+              <a:t>Thesis: To study the flow dynamics of a vertical bioreactor with</a:t>
+            </a:r>
+          </a:p>
+          <a:p>
+            <a:r>
+              <a:rPr lang="en-US" b="1" dirty="0"/>
+              <a:t>t</a:t>
+            </a:r>
+            <a:r>
+              <a:rPr lang="en-US" b="1" dirty="0" smtClean="0"/>
+              <a:t>he residence time distribution technique</a:t>
             </a:r>
             <a:endParaRPr lang="en-US" b="1" dirty="0"/>
-          </a:p>
-          <a:p>
-            <a:endParaRPr lang="en-US" dirty="0"/>
           </a:p>
         </p:txBody>
       </p:sp>
@@ -8910,9 +9044,16 @@
           <a:p>
             <a:r>
               <a:rPr lang="en-CA" b="1" dirty="0" smtClean="0"/>
-              <a:t>A Pulse signal was used </a:t>
-            </a:r>
-            <a:endParaRPr lang="en-CA" b="1" dirty="0" smtClean="0"/>
+              <a:t>A </a:t>
+            </a:r>
+            <a:r>
+              <a:rPr lang="en-CA" b="1" dirty="0" smtClean="0"/>
+              <a:t>pulse </a:t>
+            </a:r>
+            <a:r>
+              <a:rPr lang="en-CA" b="1" dirty="0" smtClean="0"/>
+              <a:t>signal was used </a:t>
+            </a:r>
           </a:p>
           <a:p>
             <a:endParaRPr lang="en-US" dirty="0"/>
@@ -9139,8 +9280,8 @@
           </a:p>
         </p:txBody>
       </p:sp>
-      <mc:AlternateContent xmlns:mc="http://schemas.openxmlformats.org/markup-compatibility/2006">
-        <mc:Choice xmlns:a14="http://schemas.microsoft.com/office/drawing/2010/main" Requires="a14">
+      <mc:AlternateContent xmlns:mc="http://schemas.openxmlformats.org/markup-compatibility/2006" xmlns:a14="http://schemas.microsoft.com/office/drawing/2010/main">
+        <mc:Choice Requires="a14">
           <p:sp>
             <p:nvSpPr>
               <p:cNvPr id="4" name="Rectangle 3"/>
@@ -9162,6 +9303,7 @@
               </a:bodyPr>
               <a:lstStyle/>
               <a:p>
+                <a:pPr/>
                 <a14:m>
                   <m:oMathPara xmlns:m="http://schemas.openxmlformats.org/officeDocument/2006/math">
                     <m:oMathParaPr>
@@ -9300,7 +9442,7 @@
             </p:txBody>
           </p:sp>
         </mc:Choice>
-        <mc:Fallback>
+        <mc:Fallback xmlns="">
           <p:sp>
             <p:nvSpPr>
               <p:cNvPr id="4" name="Rectangle 3"/>

--- a/Thesis defense.pptx
+++ b/Thesis defense.pptx
@@ -355,7 +355,7 @@
           <a:p>
             <a:fld id="{48A87A34-81AB-432B-8DAE-1953F412C126}" type="datetimeFigureOut">
               <a:rPr lang="en-US" smtClean="0"/>
-              <a:t>9/1/2020</a:t>
+              <a:t>9/2/2020</a:t>
             </a:fld>
             <a:endParaRPr lang="en-US" dirty="0"/>
           </a:p>
@@ -563,7 +563,7 @@
           <a:p>
             <a:fld id="{48A87A34-81AB-432B-8DAE-1953F412C126}" type="datetimeFigureOut">
               <a:rPr lang="en-US" smtClean="0"/>
-              <a:t>9/1/2020</a:t>
+              <a:t>9/2/2020</a:t>
             </a:fld>
             <a:endParaRPr lang="en-US" dirty="0"/>
           </a:p>
@@ -819,7 +819,7 @@
           <a:p>
             <a:fld id="{48A87A34-81AB-432B-8DAE-1953F412C126}" type="datetimeFigureOut">
               <a:rPr lang="en-US" smtClean="0"/>
-              <a:t>9/1/2020</a:t>
+              <a:t>9/2/2020</a:t>
             </a:fld>
             <a:endParaRPr lang="en-US" dirty="0"/>
           </a:p>
@@ -993,7 +993,7 @@
           <a:p>
             <a:fld id="{48A87A34-81AB-432B-8DAE-1953F412C126}" type="datetimeFigureOut">
               <a:rPr lang="en-US" smtClean="0"/>
-              <a:t>9/1/2020</a:t>
+              <a:t>9/2/2020</a:t>
             </a:fld>
             <a:endParaRPr lang="en-US" dirty="0"/>
           </a:p>
@@ -1336,7 +1336,7 @@
           <a:p>
             <a:fld id="{48A87A34-81AB-432B-8DAE-1953F412C126}" type="datetimeFigureOut">
               <a:rPr lang="en-US" smtClean="0"/>
-              <a:t>9/1/2020</a:t>
+              <a:t>9/2/2020</a:t>
             </a:fld>
             <a:endParaRPr lang="en-US" dirty="0"/>
           </a:p>
@@ -1611,7 +1611,7 @@
           <a:p>
             <a:fld id="{48A87A34-81AB-432B-8DAE-1953F412C126}" type="datetimeFigureOut">
               <a:rPr lang="en-US" smtClean="0"/>
-              <a:t>9/1/2020</a:t>
+              <a:t>9/2/2020</a:t>
             </a:fld>
             <a:endParaRPr lang="en-US" dirty="0"/>
           </a:p>
@@ -1990,7 +1990,7 @@
           <a:p>
             <a:fld id="{48A87A34-81AB-432B-8DAE-1953F412C126}" type="datetimeFigureOut">
               <a:rPr lang="en-US" smtClean="0"/>
-              <a:t>9/1/2020</a:t>
+              <a:t>9/2/2020</a:t>
             </a:fld>
             <a:endParaRPr lang="en-US" dirty="0"/>
           </a:p>
@@ -2108,7 +2108,7 @@
           <a:p>
             <a:fld id="{48A87A34-81AB-432B-8DAE-1953F412C126}" type="datetimeFigureOut">
               <a:rPr lang="en-US" smtClean="0"/>
-              <a:t>9/1/2020</a:t>
+              <a:t>9/2/2020</a:t>
             </a:fld>
             <a:endParaRPr lang="en-US" dirty="0"/>
           </a:p>
@@ -2279,7 +2279,7 @@
           <a:p>
             <a:fld id="{48A87A34-81AB-432B-8DAE-1953F412C126}" type="datetimeFigureOut">
               <a:rPr lang="en-US" smtClean="0"/>
-              <a:t>9/1/2020</a:t>
+              <a:t>9/2/2020</a:t>
             </a:fld>
             <a:endParaRPr lang="en-US" dirty="0"/>
           </a:p>
@@ -2633,7 +2633,7 @@
           <a:p>
             <a:fld id="{48A87A34-81AB-432B-8DAE-1953F412C126}" type="datetimeFigureOut">
               <a:rPr lang="en-US" smtClean="0"/>
-              <a:t>9/1/2020</a:t>
+              <a:t>9/2/2020</a:t>
             </a:fld>
             <a:endParaRPr lang="en-US" dirty="0"/>
           </a:p>
@@ -3015,7 +3015,7 @@
           <a:p>
             <a:fld id="{48A87A34-81AB-432B-8DAE-1953F412C126}" type="datetimeFigureOut">
               <a:rPr lang="en-US" smtClean="0"/>
-              <a:t>9/1/2020</a:t>
+              <a:t>9/2/2020</a:t>
             </a:fld>
             <a:endParaRPr lang="en-US" dirty="0"/>
           </a:p>
@@ -3303,7 +3303,7 @@
             <a:fld id="{48A87A34-81AB-432B-8DAE-1953F412C126}" type="datetimeFigureOut">
               <a:rPr lang="en-US" smtClean="0"/>
               <a:pPr/>
-              <a:t>9/1/2020</a:t>
+              <a:t>9/2/2020</a:t>
             </a:fld>
             <a:endParaRPr lang="en-US" dirty="0"/>
           </a:p>
@@ -3980,11 +3980,7 @@
           <a:p>
             <a:r>
               <a:rPr lang="en-CA" dirty="0" smtClean="0"/>
-              <a:t>Moments of a </a:t>
-            </a:r>
-            <a:r>
-              <a:rPr lang="en-CA" dirty="0" smtClean="0"/>
-              <a:t>Distribution </a:t>
+              <a:t>Moments of a Distribution </a:t>
             </a:r>
             <a:endParaRPr lang="en-US" dirty="0"/>
           </a:p>
@@ -4944,15 +4940,7 @@
           <a:p>
             <a:r>
               <a:rPr lang="en-CA" b="1" dirty="0" smtClean="0"/>
-              <a:t>Real reactor models are </a:t>
-            </a:r>
-            <a:r>
-              <a:rPr lang="en-CA" b="1" dirty="0" smtClean="0"/>
-              <a:t>deviations </a:t>
-            </a:r>
-            <a:r>
-              <a:rPr lang="en-CA" b="1" dirty="0" smtClean="0"/>
-              <a:t>from ideal</a:t>
+              <a:t>Real reactor models are deviations from ideal</a:t>
             </a:r>
           </a:p>
           <a:p>
@@ -5233,15 +5221,7 @@
           <a:p>
             <a:r>
               <a:rPr lang="en-CA" dirty="0" smtClean="0"/>
-              <a:t>Distribution </a:t>
-            </a:r>
-            <a:r>
-              <a:rPr lang="en-CA" dirty="0" smtClean="0"/>
-              <a:t>Function </a:t>
-            </a:r>
-            <a:r>
-              <a:rPr lang="en-CA" dirty="0" smtClean="0"/>
-              <a:t>F (t)</a:t>
+              <a:t>Distribution Function F (t)</a:t>
             </a:r>
             <a:endParaRPr lang="en-US" dirty="0"/>
           </a:p>
@@ -5881,16 +5861,11 @@
               <a:rPr lang="en-CA" sz="2000" b="1" dirty="0" smtClean="0"/>
               <a:t>0.1639</a:t>
             </a:r>
-            <a:endParaRPr lang="en-CA" sz="2000" b="1" dirty="0" smtClean="0"/>
           </a:p>
           <a:p>
             <a:r>
               <a:rPr lang="en-CA" sz="2000" b="1" dirty="0" smtClean="0"/>
-              <a:t>Ideal CSTR	H</a:t>
-            </a:r>
-            <a:r>
-              <a:rPr lang="en-CA" sz="2000" b="1" dirty="0" smtClean="0"/>
-              <a:t>= </a:t>
+              <a:t>Ideal CSTR	H= </a:t>
             </a:r>
             <a:r>
               <a:rPr lang="en-US" sz="2000" b="1" dirty="0" smtClean="0"/>
@@ -5976,8 +5951,8 @@
           </a:p>
         </p:txBody>
       </p:sp>
-      <mc:AlternateContent xmlns:mc="http://schemas.openxmlformats.org/markup-compatibility/2006">
-        <mc:Choice xmlns:a14="http://schemas.microsoft.com/office/drawing/2010/main" Requires="a14">
+      <mc:AlternateContent xmlns:mc="http://schemas.openxmlformats.org/markup-compatibility/2006" xmlns:a14="http://schemas.microsoft.com/office/drawing/2010/main">
+        <mc:Choice Requires="a14">
           <p:sp>
             <p:nvSpPr>
               <p:cNvPr id="3" name="Content Placeholder 2"/>
@@ -6148,7 +6123,7 @@
             </p:txBody>
           </p:sp>
         </mc:Choice>
-        <mc:Fallback>
+        <mc:Fallback xmlns="">
           <p:sp>
             <p:nvSpPr>
               <p:cNvPr id="3" name="Content Placeholder 2"/>
@@ -6186,8 +6161,8 @@
           </p:sp>
         </mc:Fallback>
       </mc:AlternateContent>
-      <mc:AlternateContent xmlns:mc="http://schemas.openxmlformats.org/markup-compatibility/2006">
-        <mc:Choice xmlns:a14="http://schemas.microsoft.com/office/drawing/2010/main" Requires="a14">
+      <mc:AlternateContent xmlns:mc="http://schemas.openxmlformats.org/markup-compatibility/2006" xmlns:a14="http://schemas.microsoft.com/office/drawing/2010/main">
+        <mc:Choice Requires="a14">
           <p:sp>
             <p:nvSpPr>
               <p:cNvPr id="5" name="TextBox 4"/>
@@ -6451,7 +6426,7 @@
             </p:txBody>
           </p:sp>
         </mc:Choice>
-        <mc:Fallback>
+        <mc:Fallback xmlns="">
           <p:sp>
             <p:nvSpPr>
               <p:cNvPr id="5" name="TextBox 4"/>
@@ -6490,8 +6465,8 @@
           </p:sp>
         </mc:Fallback>
       </mc:AlternateContent>
-      <mc:AlternateContent xmlns:mc="http://schemas.openxmlformats.org/markup-compatibility/2006">
-        <mc:Choice xmlns:a14="http://schemas.microsoft.com/office/drawing/2010/main" Requires="a14">
+      <mc:AlternateContent xmlns:mc="http://schemas.openxmlformats.org/markup-compatibility/2006" xmlns:a14="http://schemas.microsoft.com/office/drawing/2010/main">
+        <mc:Choice Requires="a14">
           <p:sp>
             <p:nvSpPr>
               <p:cNvPr id="8" name="Rectangle 7"/>
@@ -6611,7 +6586,7 @@
             </p:txBody>
           </p:sp>
         </mc:Choice>
-        <mc:Fallback>
+        <mc:Fallback xmlns="">
           <p:sp>
             <p:nvSpPr>
               <p:cNvPr id="8" name="Rectangle 7"/>
@@ -6650,6 +6625,36 @@
           </p:sp>
         </mc:Fallback>
       </mc:AlternateContent>
+      <p:pic>
+        <p:nvPicPr>
+          <p:cNvPr id="7" name="Picture 6"/>
+          <p:cNvPicPr>
+            <a:picLocks noChangeAspect="1"/>
+          </p:cNvPicPr>
+          <p:nvPr/>
+        </p:nvPicPr>
+        <p:blipFill>
+          <a:blip r:embed="rId5">
+            <a:extLst>
+              <a:ext uri="{28A0092B-C50C-407E-A947-70E740481C1C}">
+                <a14:useLocalDpi xmlns:a14="http://schemas.microsoft.com/office/drawing/2010/main" val="0"/>
+              </a:ext>
+            </a:extLst>
+          </a:blip>
+          <a:stretch>
+            <a:fillRect/>
+          </a:stretch>
+        </p:blipFill>
+        <p:spPr>
+          <a:xfrm>
+            <a:off x="6840277" y="2121092"/>
+            <a:ext cx="4563112" cy="3086531"/>
+          </a:xfrm>
+          <a:prstGeom prst="rect">
+            <a:avLst/>
+          </a:prstGeom>
+        </p:spPr>
+      </p:pic>
     </p:spTree>
     <p:extLst>
       <p:ext uri="{BB962C8B-B14F-4D97-AF65-F5344CB8AC3E}">
@@ -6777,13 +6782,8 @@
             </a:pPr>
             <a:r>
               <a:rPr lang="en-CA" b="1" dirty="0" smtClean="0"/>
-              <a:t>Union with kinetic </a:t>
-            </a:r>
-            <a:r>
-              <a:rPr lang="en-CA" b="1" dirty="0" smtClean="0"/>
-              <a:t>models (ex. ASM2D)</a:t>
-            </a:r>
-            <a:endParaRPr lang="en-CA" b="1" dirty="0" smtClean="0"/>
+              <a:t>Union with kinetic models (ex. ASM2D)</a:t>
+            </a:r>
           </a:p>
           <a:p>
             <a:pPr>
@@ -6958,8 +6958,8 @@
         </p:blipFill>
         <p:spPr>
           <a:xfrm>
-            <a:off x="0" y="5594465"/>
-            <a:ext cx="3633168" cy="1263535"/>
+            <a:off x="0" y="5831700"/>
+            <a:ext cx="2951018" cy="1026299"/>
           </a:xfrm>
           <a:prstGeom prst="rect">
             <a:avLst/>
@@ -7297,7 +7297,7 @@
         <p:spPr/>
         <p:txBody>
           <a:bodyPr>
-            <a:normAutofit/>
+            <a:normAutofit fontScale="92500"/>
           </a:bodyPr>
           <a:lstStyle/>
           <a:p>
@@ -7387,6 +7387,21 @@
               <a:rPr lang="en-US" dirty="0" smtClean="0"/>
               <a:t>.</a:t>
             </a:r>
+          </a:p>
+          <a:p>
+            <a:pPr marL="742950" indent="-742950">
+              <a:buFont typeface="+mj-lt"/>
+              <a:buAutoNum type="arabicPeriod"/>
+            </a:pPr>
+            <a:r>
+              <a:rPr lang="en-US" dirty="0"/>
+              <a:t>H. Jamal, “Activated Sludge Process Activated Sludge Wastewater Treatment Mechanism and Procedure.” https://www.aboutcivil.org/activated-sludge-process-system-for-wastewater-treatment.html (accessed Sep. 02, 2020</a:t>
+            </a:r>
+            <a:r>
+              <a:rPr lang="en-US" dirty="0" smtClean="0"/>
+              <a:t>).</a:t>
+            </a:r>
+            <a:endParaRPr lang="en-US" dirty="0" smtClean="0"/>
           </a:p>
           <a:p>
             <a:pPr marL="742950" indent="-742950">
@@ -7443,8 +7458,8 @@
         </p:blipFill>
         <p:spPr>
           <a:xfrm>
-            <a:off x="0" y="5594465"/>
-            <a:ext cx="3633168" cy="1263535"/>
+            <a:off x="0" y="5817247"/>
+            <a:ext cx="2992582" cy="1040753"/>
           </a:xfrm>
           <a:prstGeom prst="rect">
             <a:avLst/>
@@ -7505,11 +7520,7 @@
           <a:p>
             <a:r>
               <a:rPr lang="en-CA" dirty="0" smtClean="0"/>
-              <a:t>Table of </a:t>
-            </a:r>
-            <a:r>
-              <a:rPr lang="en-CA" dirty="0" smtClean="0"/>
-              <a:t>Contents</a:t>
+              <a:t>Table of Contents</a:t>
             </a:r>
             <a:endParaRPr lang="en-US" dirty="0"/>
           </a:p>
@@ -7543,7 +7554,6 @@
               <a:rPr lang="en-CA" b="1" dirty="0" smtClean="0"/>
               <a:t>Water Engineering</a:t>
             </a:r>
-            <a:endParaRPr lang="en-CA" b="1" dirty="0" smtClean="0"/>
           </a:p>
           <a:p>
             <a:pPr marL="457200" indent="-457200">
@@ -7552,11 +7562,7 @@
             </a:pPr>
             <a:r>
               <a:rPr lang="en-CA" b="1" dirty="0" smtClean="0"/>
-              <a:t>Conventional </a:t>
-            </a:r>
-            <a:r>
-              <a:rPr lang="en-CA" b="1" dirty="0" smtClean="0"/>
-              <a:t>Bioreactor</a:t>
+              <a:t>Conventional Bioreactor</a:t>
             </a:r>
           </a:p>
           <a:p>
@@ -7596,13 +7602,8 @@
             </a:pPr>
             <a:r>
               <a:rPr lang="en-CA" b="1" dirty="0" smtClean="0"/>
-              <a:t>Concentration </a:t>
-            </a:r>
-            <a:r>
-              <a:rPr lang="en-CA" b="1" dirty="0" smtClean="0"/>
-              <a:t>Curve</a:t>
-            </a:r>
-            <a:endParaRPr lang="en-CA" b="1" dirty="0" smtClean="0"/>
+              <a:t>Concentration Curve</a:t>
+            </a:r>
           </a:p>
           <a:p>
             <a:pPr marL="457200" indent="-457200">
@@ -7611,11 +7612,7 @@
             </a:pPr>
             <a:r>
               <a:rPr lang="en-CA" b="1" dirty="0" smtClean="0"/>
-              <a:t>Probability </a:t>
-            </a:r>
-            <a:r>
-              <a:rPr lang="en-CA" b="1" dirty="0" smtClean="0"/>
-              <a:t>Density </a:t>
+              <a:t>Probability Density </a:t>
             </a:r>
             <a:r>
               <a:rPr lang="en-CA" b="1" dirty="0"/>
@@ -7625,7 +7622,6 @@
               <a:rPr lang="en-CA" b="1" dirty="0" smtClean="0"/>
               <a:t>unction</a:t>
             </a:r>
-            <a:endParaRPr lang="en-CA" b="1" dirty="0" smtClean="0"/>
           </a:p>
           <a:p>
             <a:pPr marL="457200" indent="-457200">
@@ -7634,13 +7630,8 @@
             </a:pPr>
             <a:r>
               <a:rPr lang="en-CA" b="1" dirty="0" smtClean="0"/>
-              <a:t>Moments of a </a:t>
-            </a:r>
-            <a:r>
-              <a:rPr lang="en-CA" b="1" dirty="0" smtClean="0"/>
-              <a:t>Distribution</a:t>
-            </a:r>
-            <a:endParaRPr lang="en-CA" b="1" dirty="0" smtClean="0"/>
+              <a:t>Moments of a Distribution</a:t>
+            </a:r>
           </a:p>
           <a:p>
             <a:pPr marL="457200" indent="-457200">
@@ -7929,11 +7920,7 @@
             </a:pPr>
             <a:r>
               <a:rPr lang="en-CA" b="1" dirty="0" smtClean="0"/>
-              <a:t>Model </a:t>
-            </a:r>
-            <a:r>
-              <a:rPr lang="en-CA" b="1" dirty="0" smtClean="0"/>
-              <a:t>Testing </a:t>
+              <a:t>Model Testing </a:t>
             </a:r>
             <a:r>
               <a:rPr lang="en-CA" b="1" dirty="0"/>
@@ -7943,7 +7930,6 @@
               <a:rPr lang="en-CA" b="1" dirty="0" smtClean="0"/>
               <a:t>esults</a:t>
             </a:r>
-            <a:endParaRPr lang="en-CA" b="1" dirty="0" smtClean="0"/>
           </a:p>
           <a:p>
             <a:pPr marL="457200" indent="-457200">
@@ -7952,13 +7938,8 @@
             </a:pPr>
             <a:r>
               <a:rPr lang="en-CA" b="1" dirty="0" smtClean="0"/>
-              <a:t>Distribution </a:t>
-            </a:r>
-            <a:r>
-              <a:rPr lang="en-CA" b="1" dirty="0" smtClean="0"/>
-              <a:t>Function</a:t>
-            </a:r>
-            <a:endParaRPr lang="en-CA" b="1" dirty="0" smtClean="0"/>
+              <a:t>Distribution Function</a:t>
+            </a:r>
           </a:p>
           <a:p>
             <a:pPr marL="457200" indent="-457200">
@@ -8228,11 +8209,7 @@
           <a:p>
             <a:r>
               <a:rPr lang="en-US" b="1" dirty="0"/>
-              <a:t>Levels of wastewater treatment across </a:t>
-            </a:r>
-            <a:r>
-              <a:rPr lang="en-US" b="1" dirty="0"/>
-              <a:t>C</a:t>
+              <a:t>Levels of wastewater treatment across C</a:t>
             </a:r>
             <a:r>
               <a:rPr lang="en-US" b="1" dirty="0" smtClean="0"/>
@@ -8323,11 +8300,7 @@
           <a:p>
             <a:r>
               <a:rPr lang="en-CA" b="1" dirty="0" smtClean="0"/>
-              <a:t>Large, </a:t>
-            </a:r>
-            <a:r>
-              <a:rPr lang="en-CA" b="1" dirty="0" smtClean="0"/>
-              <a:t>expensive concrete structures</a:t>
+              <a:t>Large, expensive concrete structures</a:t>
             </a:r>
           </a:p>
           <a:p>
@@ -8422,6 +8395,66 @@
             <a:r>
               <a:rPr lang="en-US" dirty="0" smtClean="0"/>
               <a:t>[2]</a:t>
+            </a:r>
+            <a:endParaRPr lang="en-US" dirty="0"/>
+          </a:p>
+        </p:txBody>
+      </p:sp>
+      <p:pic>
+        <p:nvPicPr>
+          <p:cNvPr id="8" name="Picture 7"/>
+          <p:cNvPicPr>
+            <a:picLocks noChangeAspect="1"/>
+          </p:cNvPicPr>
+          <p:nvPr/>
+        </p:nvPicPr>
+        <p:blipFill>
+          <a:blip r:embed="rId3">
+            <a:extLst>
+              <a:ext uri="{28A0092B-C50C-407E-A947-70E740481C1C}">
+                <a14:useLocalDpi xmlns:a14="http://schemas.microsoft.com/office/drawing/2010/main" val="0"/>
+              </a:ext>
+            </a:extLst>
+          </a:blip>
+          <a:stretch>
+            <a:fillRect/>
+          </a:stretch>
+        </p:blipFill>
+        <p:spPr>
+          <a:xfrm>
+            <a:off x="1097279" y="3669651"/>
+            <a:ext cx="3009207" cy="2326395"/>
+          </a:xfrm>
+          <a:prstGeom prst="rect">
+            <a:avLst/>
+          </a:prstGeom>
+        </p:spPr>
+      </p:pic>
+      <p:sp>
+        <p:nvSpPr>
+          <p:cNvPr id="9" name="TextBox 8"/>
+          <p:cNvSpPr txBox="1"/>
+          <p:nvPr/>
+        </p:nvSpPr>
+        <p:spPr>
+          <a:xfrm>
+            <a:off x="1529542" y="5977468"/>
+            <a:ext cx="3782291" cy="369332"/>
+          </a:xfrm>
+          <a:prstGeom prst="rect">
+            <a:avLst/>
+          </a:prstGeom>
+          <a:noFill/>
+        </p:spPr>
+        <p:txBody>
+          <a:bodyPr wrap="square" rtlCol="0">
+            <a:spAutoFit/>
+          </a:bodyPr>
+          <a:lstStyle/>
+          <a:p>
+            <a:r>
+              <a:rPr lang="en-CA" dirty="0" smtClean="0"/>
+              <a:t>CAS bioreactor[3]</a:t>
             </a:r>
             <a:endParaRPr lang="en-US" dirty="0"/>
           </a:p>
@@ -8569,11 +8602,7 @@
             </a:r>
             <a:r>
               <a:rPr lang="en-US" b="1" dirty="0" smtClean="0"/>
-              <a:t>Alvarez </a:t>
-            </a:r>
-            <a:r>
-              <a:rPr lang="en-US" b="1" dirty="0" smtClean="0"/>
-              <a:t>Cuenca</a:t>
+              <a:t>Alvarez Cuenca</a:t>
             </a:r>
           </a:p>
           <a:p>
@@ -8793,12 +8822,462 @@
           <a:p>
             <a:r>
               <a:rPr lang="en-CA" b="1" dirty="0" smtClean="0"/>
-              <a:t>STAR Reactor Process Flow [3]</a:t>
+              <a:t>STAR Reactor Process Flow </a:t>
+            </a:r>
+            <a:r>
+              <a:rPr lang="en-CA" b="1" dirty="0" smtClean="0"/>
+              <a:t>[4]</a:t>
             </a:r>
             <a:endParaRPr lang="en-US" b="1" baseline="-25000" dirty="0"/>
           </a:p>
         </p:txBody>
       </p:sp>
+      <p:graphicFrame>
+        <p:nvGraphicFramePr>
+          <p:cNvPr id="3" name="Table 2"/>
+          <p:cNvGraphicFramePr>
+            <a:graphicFrameLocks noGrp="1"/>
+          </p:cNvGraphicFramePr>
+          <p:nvPr>
+            <p:extLst>
+              <p:ext uri="{D42A27DB-BD31-4B8C-83A1-F6EECF244321}">
+                <p14:modId xmlns:p14="http://schemas.microsoft.com/office/powerpoint/2010/main" val="2780121927"/>
+              </p:ext>
+            </p:extLst>
+          </p:nvPr>
+        </p:nvGraphicFramePr>
+        <p:xfrm>
+          <a:off x="1354657" y="4119474"/>
+          <a:ext cx="2652078" cy="1465817"/>
+        </p:xfrm>
+        <a:graphic>
+          <a:graphicData uri="http://schemas.openxmlformats.org/drawingml/2006/table">
+            <a:tbl>
+              <a:tblPr firstRow="1" firstCol="1" bandRow="1">
+                <a:tableStyleId>{EB9631B5-78F2-41C9-869B-9F39066F8104}</a:tableStyleId>
+              </a:tblPr>
+              <a:tblGrid>
+                <a:gridCol w="1099236">
+                  <a:extLst>
+                    <a:ext uri="{9D8B030D-6E8A-4147-A177-3AD203B41FA5}">
+                      <a16:colId xmlns:a16="http://schemas.microsoft.com/office/drawing/2014/main" val="3394784794"/>
+                    </a:ext>
+                  </a:extLst>
+                </a:gridCol>
+                <a:gridCol w="1552842">
+                  <a:extLst>
+                    <a:ext uri="{9D8B030D-6E8A-4147-A177-3AD203B41FA5}">
+                      <a16:colId xmlns:a16="http://schemas.microsoft.com/office/drawing/2014/main" val="1341250041"/>
+                    </a:ext>
+                  </a:extLst>
+                </a:gridCol>
+              </a:tblGrid>
+              <a:tr h="275181">
+                <a:tc>
+                  <a:txBody>
+                    <a:bodyPr/>
+                    <a:lstStyle/>
+                    <a:p>
+                      <a:pPr>
+                        <a:lnSpc>
+                          <a:spcPct val="150000"/>
+                        </a:lnSpc>
+                        <a:spcAft>
+                          <a:spcPts val="0"/>
+                        </a:spcAft>
+                      </a:pPr>
+                      <a:r>
+                        <a:rPr lang="en-US" sz="1200" dirty="0">
+                          <a:effectLst/>
+                        </a:rPr>
+                        <a:t>Stream</a:t>
+                      </a:r>
+                      <a:endParaRPr lang="en-US" sz="1200" dirty="0">
+                        <a:effectLst/>
+                        <a:latin typeface="Calibri" panose="020F0502020204030204" pitchFamily="34" charset="0"/>
+                        <a:ea typeface="DengXian" panose="02010600030101010101" pitchFamily="2" charset="-122"/>
+                        <a:cs typeface="Times New Roman" panose="02020603050405020304" pitchFamily="18" charset="0"/>
+                      </a:endParaRPr>
+                    </a:p>
+                  </a:txBody>
+                  <a:tcPr marL="68580" marR="68580" marT="0" marB="0"/>
+                </a:tc>
+                <a:tc>
+                  <a:txBody>
+                    <a:bodyPr/>
+                    <a:lstStyle/>
+                    <a:p>
+                      <a:pPr>
+                        <a:lnSpc>
+                          <a:spcPct val="150000"/>
+                        </a:lnSpc>
+                        <a:spcAft>
+                          <a:spcPts val="0"/>
+                        </a:spcAft>
+                      </a:pPr>
+                      <a:r>
+                        <a:rPr lang="en-US" sz="1200" dirty="0">
+                          <a:effectLst/>
+                        </a:rPr>
+                        <a:t>Flow Rate (L/</a:t>
+                      </a:r>
+                      <a:r>
+                        <a:rPr lang="en-US" sz="1200" dirty="0" err="1">
+                          <a:effectLst/>
+                        </a:rPr>
+                        <a:t>hr</a:t>
+                      </a:r>
+                      <a:r>
+                        <a:rPr lang="en-US" sz="1200" dirty="0">
+                          <a:effectLst/>
+                        </a:rPr>
+                        <a:t>)</a:t>
+                      </a:r>
+                      <a:endParaRPr lang="en-US" sz="1200" dirty="0">
+                        <a:effectLst/>
+                        <a:latin typeface="Calibri" panose="020F0502020204030204" pitchFamily="34" charset="0"/>
+                        <a:ea typeface="DengXian" panose="02010600030101010101" pitchFamily="2" charset="-122"/>
+                        <a:cs typeface="Times New Roman" panose="02020603050405020304" pitchFamily="18" charset="0"/>
+                      </a:endParaRPr>
+                    </a:p>
+                  </a:txBody>
+                  <a:tcPr marL="68580" marR="68580" marT="0" marB="0"/>
+                </a:tc>
+                <a:extLst>
+                  <a:ext uri="{0D108BD9-81ED-4DB2-BD59-A6C34878D82A}">
+                    <a16:rowId xmlns:a16="http://schemas.microsoft.com/office/drawing/2014/main" val="237701628"/>
+                  </a:ext>
+                </a:extLst>
+              </a:tr>
+              <a:tr h="45817">
+                <a:tc>
+                  <a:txBody>
+                    <a:bodyPr/>
+                    <a:lstStyle/>
+                    <a:p>
+                      <a:pPr>
+                        <a:lnSpc>
+                          <a:spcPct val="150000"/>
+                        </a:lnSpc>
+                        <a:spcAft>
+                          <a:spcPts val="0"/>
+                        </a:spcAft>
+                      </a:pPr>
+                      <a:r>
+                        <a:rPr lang="en-US" sz="200">
+                          <a:effectLst/>
+                        </a:rPr>
+                        <a:t> </a:t>
+                      </a:r>
+                      <a:endParaRPr lang="en-US" sz="1200">
+                        <a:effectLst/>
+                        <a:latin typeface="Calibri" panose="020F0502020204030204" pitchFamily="34" charset="0"/>
+                        <a:ea typeface="DengXian" panose="02010600030101010101" pitchFamily="2" charset="-122"/>
+                        <a:cs typeface="Times New Roman" panose="02020603050405020304" pitchFamily="18" charset="0"/>
+                      </a:endParaRPr>
+                    </a:p>
+                  </a:txBody>
+                  <a:tcPr marL="68580" marR="68580" marT="0" marB="0"/>
+                </a:tc>
+                <a:tc>
+                  <a:txBody>
+                    <a:bodyPr/>
+                    <a:lstStyle/>
+                    <a:p>
+                      <a:pPr>
+                        <a:lnSpc>
+                          <a:spcPct val="150000"/>
+                        </a:lnSpc>
+                        <a:spcAft>
+                          <a:spcPts val="0"/>
+                        </a:spcAft>
+                      </a:pPr>
+                      <a:r>
+                        <a:rPr lang="en-US" sz="200">
+                          <a:effectLst/>
+                        </a:rPr>
+                        <a:t> </a:t>
+                      </a:r>
+                      <a:endParaRPr lang="en-US" sz="1200">
+                        <a:effectLst/>
+                        <a:latin typeface="Calibri" panose="020F0502020204030204" pitchFamily="34" charset="0"/>
+                        <a:ea typeface="DengXian" panose="02010600030101010101" pitchFamily="2" charset="-122"/>
+                        <a:cs typeface="Times New Roman" panose="02020603050405020304" pitchFamily="18" charset="0"/>
+                      </a:endParaRPr>
+                    </a:p>
+                  </a:txBody>
+                  <a:tcPr marL="68580" marR="68580" marT="0" marB="0"/>
+                </a:tc>
+                <a:extLst>
+                  <a:ext uri="{0D108BD9-81ED-4DB2-BD59-A6C34878D82A}">
+                    <a16:rowId xmlns:a16="http://schemas.microsoft.com/office/drawing/2014/main" val="1256642287"/>
+                  </a:ext>
+                </a:extLst>
+              </a:tr>
+              <a:tr h="275181">
+                <a:tc>
+                  <a:txBody>
+                    <a:bodyPr/>
+                    <a:lstStyle/>
+                    <a:p>
+                      <a:pPr>
+                        <a:lnSpc>
+                          <a:spcPct val="150000"/>
+                        </a:lnSpc>
+                        <a:spcAft>
+                          <a:spcPts val="0"/>
+                        </a:spcAft>
+                      </a:pPr>
+                      <a:r>
+                        <a:rPr lang="en-US" sz="1200">
+                          <a:effectLst/>
+                        </a:rPr>
+                        <a:t>Feed</a:t>
+                      </a:r>
+                      <a:endParaRPr lang="en-US" sz="1200">
+                        <a:effectLst/>
+                        <a:latin typeface="Calibri" panose="020F0502020204030204" pitchFamily="34" charset="0"/>
+                        <a:ea typeface="DengXian" panose="02010600030101010101" pitchFamily="2" charset="-122"/>
+                        <a:cs typeface="Times New Roman" panose="02020603050405020304" pitchFamily="18" charset="0"/>
+                      </a:endParaRPr>
+                    </a:p>
+                  </a:txBody>
+                  <a:tcPr marL="68580" marR="68580" marT="0" marB="0"/>
+                </a:tc>
+                <a:tc>
+                  <a:txBody>
+                    <a:bodyPr/>
+                    <a:lstStyle/>
+                    <a:p>
+                      <a:pPr>
+                        <a:lnSpc>
+                          <a:spcPct val="150000"/>
+                        </a:lnSpc>
+                        <a:spcAft>
+                          <a:spcPts val="0"/>
+                        </a:spcAft>
+                      </a:pPr>
+                      <a:r>
+                        <a:rPr lang="en-US" sz="1200">
+                          <a:effectLst/>
+                        </a:rPr>
+                        <a:t>10</a:t>
+                      </a:r>
+                      <a:endParaRPr lang="en-US" sz="1200">
+                        <a:effectLst/>
+                        <a:latin typeface="Calibri" panose="020F0502020204030204" pitchFamily="34" charset="0"/>
+                        <a:ea typeface="DengXian" panose="02010600030101010101" pitchFamily="2" charset="-122"/>
+                        <a:cs typeface="Times New Roman" panose="02020603050405020304" pitchFamily="18" charset="0"/>
+                      </a:endParaRPr>
+                    </a:p>
+                  </a:txBody>
+                  <a:tcPr marL="68580" marR="68580" marT="0" marB="0"/>
+                </a:tc>
+                <a:extLst>
+                  <a:ext uri="{0D108BD9-81ED-4DB2-BD59-A6C34878D82A}">
+                    <a16:rowId xmlns:a16="http://schemas.microsoft.com/office/drawing/2014/main" val="285508656"/>
+                  </a:ext>
+                </a:extLst>
+              </a:tr>
+              <a:tr h="275181">
+                <a:tc>
+                  <a:txBody>
+                    <a:bodyPr/>
+                    <a:lstStyle/>
+                    <a:p>
+                      <a:pPr>
+                        <a:lnSpc>
+                          <a:spcPct val="150000"/>
+                        </a:lnSpc>
+                        <a:spcAft>
+                          <a:spcPts val="0"/>
+                        </a:spcAft>
+                      </a:pPr>
+                      <a:r>
+                        <a:rPr lang="en-US" sz="1200">
+                          <a:effectLst/>
+                        </a:rPr>
+                        <a:t>Internal Recycle</a:t>
+                      </a:r>
+                      <a:endParaRPr lang="en-US" sz="1200">
+                        <a:effectLst/>
+                        <a:latin typeface="Calibri" panose="020F0502020204030204" pitchFamily="34" charset="0"/>
+                        <a:ea typeface="DengXian" panose="02010600030101010101" pitchFamily="2" charset="-122"/>
+                        <a:cs typeface="Times New Roman" panose="02020603050405020304" pitchFamily="18" charset="0"/>
+                      </a:endParaRPr>
+                    </a:p>
+                  </a:txBody>
+                  <a:tcPr marL="68580" marR="68580" marT="0" marB="0"/>
+                </a:tc>
+                <a:tc>
+                  <a:txBody>
+                    <a:bodyPr/>
+                    <a:lstStyle/>
+                    <a:p>
+                      <a:pPr>
+                        <a:lnSpc>
+                          <a:spcPct val="150000"/>
+                        </a:lnSpc>
+                        <a:spcAft>
+                          <a:spcPts val="0"/>
+                        </a:spcAft>
+                      </a:pPr>
+                      <a:r>
+                        <a:rPr lang="en-US" sz="1200" dirty="0">
+                          <a:effectLst/>
+                        </a:rPr>
+                        <a:t>20</a:t>
+                      </a:r>
+                      <a:endParaRPr lang="en-US" sz="1200" dirty="0">
+                        <a:effectLst/>
+                        <a:latin typeface="Calibri" panose="020F0502020204030204" pitchFamily="34" charset="0"/>
+                        <a:ea typeface="DengXian" panose="02010600030101010101" pitchFamily="2" charset="-122"/>
+                        <a:cs typeface="Times New Roman" panose="02020603050405020304" pitchFamily="18" charset="0"/>
+                      </a:endParaRPr>
+                    </a:p>
+                  </a:txBody>
+                  <a:tcPr marL="68580" marR="68580" marT="0" marB="0"/>
+                </a:tc>
+                <a:extLst>
+                  <a:ext uri="{0D108BD9-81ED-4DB2-BD59-A6C34878D82A}">
+                    <a16:rowId xmlns:a16="http://schemas.microsoft.com/office/drawing/2014/main" val="37284274"/>
+                  </a:ext>
+                </a:extLst>
+              </a:tr>
+              <a:tr h="275181">
+                <a:tc>
+                  <a:txBody>
+                    <a:bodyPr/>
+                    <a:lstStyle/>
+                    <a:p>
+                      <a:pPr>
+                        <a:lnSpc>
+                          <a:spcPct val="150000"/>
+                        </a:lnSpc>
+                        <a:spcAft>
+                          <a:spcPts val="0"/>
+                        </a:spcAft>
+                      </a:pPr>
+                      <a:r>
+                        <a:rPr lang="en-US" sz="1200">
+                          <a:effectLst/>
+                        </a:rPr>
+                        <a:t>Recycle Sludge</a:t>
+                      </a:r>
+                      <a:endParaRPr lang="en-US" sz="1200">
+                        <a:effectLst/>
+                        <a:latin typeface="Calibri" panose="020F0502020204030204" pitchFamily="34" charset="0"/>
+                        <a:ea typeface="DengXian" panose="02010600030101010101" pitchFamily="2" charset="-122"/>
+                        <a:cs typeface="Times New Roman" panose="02020603050405020304" pitchFamily="18" charset="0"/>
+                      </a:endParaRPr>
+                    </a:p>
+                  </a:txBody>
+                  <a:tcPr marL="68580" marR="68580" marT="0" marB="0"/>
+                </a:tc>
+                <a:tc>
+                  <a:txBody>
+                    <a:bodyPr/>
+                    <a:lstStyle/>
+                    <a:p>
+                      <a:pPr>
+                        <a:lnSpc>
+                          <a:spcPct val="150000"/>
+                        </a:lnSpc>
+                        <a:spcAft>
+                          <a:spcPts val="0"/>
+                        </a:spcAft>
+                      </a:pPr>
+                      <a:r>
+                        <a:rPr lang="en-US" sz="1200">
+                          <a:effectLst/>
+                        </a:rPr>
+                        <a:t>15</a:t>
+                      </a:r>
+                      <a:endParaRPr lang="en-US" sz="1200">
+                        <a:effectLst/>
+                        <a:latin typeface="Calibri" panose="020F0502020204030204" pitchFamily="34" charset="0"/>
+                        <a:ea typeface="DengXian" panose="02010600030101010101" pitchFamily="2" charset="-122"/>
+                        <a:cs typeface="Times New Roman" panose="02020603050405020304" pitchFamily="18" charset="0"/>
+                      </a:endParaRPr>
+                    </a:p>
+                  </a:txBody>
+                  <a:tcPr marL="68580" marR="68580" marT="0" marB="0"/>
+                </a:tc>
+                <a:extLst>
+                  <a:ext uri="{0D108BD9-81ED-4DB2-BD59-A6C34878D82A}">
+                    <a16:rowId xmlns:a16="http://schemas.microsoft.com/office/drawing/2014/main" val="1402339296"/>
+                  </a:ext>
+                </a:extLst>
+              </a:tr>
+              <a:tr h="45817">
+                <a:tc>
+                  <a:txBody>
+                    <a:bodyPr/>
+                    <a:lstStyle/>
+                    <a:p>
+                      <a:pPr>
+                        <a:lnSpc>
+                          <a:spcPct val="150000"/>
+                        </a:lnSpc>
+                        <a:spcAft>
+                          <a:spcPts val="0"/>
+                        </a:spcAft>
+                      </a:pPr>
+                      <a:r>
+                        <a:rPr lang="en-US" sz="200">
+                          <a:effectLst/>
+                        </a:rPr>
+                        <a:t> </a:t>
+                      </a:r>
+                      <a:endParaRPr lang="en-US" sz="1200">
+                        <a:effectLst/>
+                        <a:latin typeface="Calibri" panose="020F0502020204030204" pitchFamily="34" charset="0"/>
+                        <a:ea typeface="DengXian" panose="02010600030101010101" pitchFamily="2" charset="-122"/>
+                        <a:cs typeface="Times New Roman" panose="02020603050405020304" pitchFamily="18" charset="0"/>
+                      </a:endParaRPr>
+                    </a:p>
+                  </a:txBody>
+                  <a:tcPr marL="68580" marR="68580" marT="0" marB="0"/>
+                </a:tc>
+                <a:tc>
+                  <a:txBody>
+                    <a:bodyPr/>
+                    <a:lstStyle/>
+                    <a:p>
+                      <a:pPr>
+                        <a:lnSpc>
+                          <a:spcPct val="150000"/>
+                        </a:lnSpc>
+                        <a:spcAft>
+                          <a:spcPts val="0"/>
+                        </a:spcAft>
+                      </a:pPr>
+                      <a:r>
+                        <a:rPr lang="en-US" sz="200" dirty="0">
+                          <a:effectLst/>
+                        </a:rPr>
+                        <a:t> </a:t>
+                      </a:r>
+                      <a:endParaRPr lang="en-US" sz="1200" dirty="0">
+                        <a:effectLst/>
+                        <a:latin typeface="Calibri" panose="020F0502020204030204" pitchFamily="34" charset="0"/>
+                        <a:ea typeface="DengXian" panose="02010600030101010101" pitchFamily="2" charset="-122"/>
+                        <a:cs typeface="Times New Roman" panose="02020603050405020304" pitchFamily="18" charset="0"/>
+                      </a:endParaRPr>
+                    </a:p>
+                  </a:txBody>
+                  <a:tcPr marL="68580" marR="68580" marT="0" marB="0"/>
+                </a:tc>
+                <a:extLst>
+                  <a:ext uri="{0D108BD9-81ED-4DB2-BD59-A6C34878D82A}">
+                    <a16:rowId xmlns:a16="http://schemas.microsoft.com/office/drawing/2014/main" val="2428092093"/>
+                  </a:ext>
+                </a:extLst>
+              </a:tr>
+            </a:tbl>
+          </a:graphicData>
+        </a:graphic>
+      </p:graphicFrame>
     </p:spTree>
     <p:extLst>
       <p:ext uri="{BB962C8B-B14F-4D97-AF65-F5344CB8AC3E}">
@@ -9044,15 +9523,7 @@
           <a:p>
             <a:r>
               <a:rPr lang="en-CA" b="1" dirty="0" smtClean="0"/>
-              <a:t>A </a:t>
-            </a:r>
-            <a:r>
-              <a:rPr lang="en-CA" b="1" dirty="0" smtClean="0"/>
-              <a:t>pulse </a:t>
-            </a:r>
-            <a:r>
-              <a:rPr lang="en-CA" b="1" dirty="0" smtClean="0"/>
-              <a:t>signal was used </a:t>
+              <a:t>A pulse signal was used </a:t>
             </a:r>
           </a:p>
           <a:p>

--- a/Thesis defense.pptx
+++ b/Thesis defense.pptx
@@ -4,6 +4,9 @@
   <p:sldMasterIdLst>
     <p:sldMasterId id="2147483669" r:id="rId1"/>
   </p:sldMasterIdLst>
+  <p:notesMasterIdLst>
+    <p:notesMasterId r:id="rId20"/>
+  </p:notesMasterIdLst>
   <p:sldIdLst>
     <p:sldId id="256" r:id="rId2"/>
     <p:sldId id="259" r:id="rId3"/>
@@ -129,6 +132,356 @@
 </p:presentation>
 </file>
 
+<file path=ppt/notesMasters/notesMaster1.xml><?xml version="1.0" encoding="utf-8"?>
+<p:notesMaster xmlns:a="http://schemas.openxmlformats.org/drawingml/2006/main" xmlns:r="http://schemas.openxmlformats.org/officeDocument/2006/relationships" xmlns:p="http://schemas.openxmlformats.org/presentationml/2006/main">
+  <p:cSld>
+    <p:bg>
+      <p:bgRef idx="1001">
+        <a:schemeClr val="bg1"/>
+      </p:bgRef>
+    </p:bg>
+    <p:spTree>
+      <p:nvGrpSpPr>
+        <p:cNvPr id="1" name=""/>
+        <p:cNvGrpSpPr/>
+        <p:nvPr/>
+      </p:nvGrpSpPr>
+      <p:grpSpPr>
+        <a:xfrm>
+          <a:off x="0" y="0"/>
+          <a:ext cx="0" cy="0"/>
+          <a:chOff x="0" y="0"/>
+          <a:chExt cx="0" cy="0"/>
+        </a:xfrm>
+      </p:grpSpPr>
+      <p:sp>
+        <p:nvSpPr>
+          <p:cNvPr id="2" name="Header Placeholder 1"/>
+          <p:cNvSpPr>
+            <a:spLocks noGrp="1"/>
+          </p:cNvSpPr>
+          <p:nvPr>
+            <p:ph type="hdr" sz="quarter"/>
+          </p:nvPr>
+        </p:nvSpPr>
+        <p:spPr>
+          <a:xfrm>
+            <a:off x="0" y="0"/>
+            <a:ext cx="2971800" cy="458788"/>
+          </a:xfrm>
+          <a:prstGeom prst="rect">
+            <a:avLst/>
+          </a:prstGeom>
+        </p:spPr>
+        <p:txBody>
+          <a:bodyPr vert="horz" lIns="91440" tIns="45720" rIns="91440" bIns="45720" rtlCol="0"/>
+          <a:lstStyle>
+            <a:lvl1pPr algn="l">
+              <a:defRPr sz="1200"/>
+            </a:lvl1pPr>
+          </a:lstStyle>
+          <a:p>
+            <a:endParaRPr lang="en-US"/>
+          </a:p>
+        </p:txBody>
+      </p:sp>
+      <p:sp>
+        <p:nvSpPr>
+          <p:cNvPr id="3" name="Date Placeholder 2"/>
+          <p:cNvSpPr>
+            <a:spLocks noGrp="1"/>
+          </p:cNvSpPr>
+          <p:nvPr>
+            <p:ph type="dt" idx="1"/>
+          </p:nvPr>
+        </p:nvSpPr>
+        <p:spPr>
+          <a:xfrm>
+            <a:off x="3884613" y="0"/>
+            <a:ext cx="2971800" cy="458788"/>
+          </a:xfrm>
+          <a:prstGeom prst="rect">
+            <a:avLst/>
+          </a:prstGeom>
+        </p:spPr>
+        <p:txBody>
+          <a:bodyPr vert="horz" lIns="91440" tIns="45720" rIns="91440" bIns="45720" rtlCol="0"/>
+          <a:lstStyle>
+            <a:lvl1pPr algn="r">
+              <a:defRPr sz="1200"/>
+            </a:lvl1pPr>
+          </a:lstStyle>
+          <a:p>
+            <a:fld id="{28A93B17-9A0B-4AD1-B917-D86E5C0F7C8B}" type="datetimeFigureOut">
+              <a:rPr lang="en-US" smtClean="0"/>
+              <a:t>9/3/2020</a:t>
+            </a:fld>
+            <a:endParaRPr lang="en-US"/>
+          </a:p>
+        </p:txBody>
+      </p:sp>
+      <p:sp>
+        <p:nvSpPr>
+          <p:cNvPr id="4" name="Slide Image Placeholder 3"/>
+          <p:cNvSpPr>
+            <a:spLocks noGrp="1" noRot="1" noChangeAspect="1"/>
+          </p:cNvSpPr>
+          <p:nvPr>
+            <p:ph type="sldImg" idx="2"/>
+          </p:nvPr>
+        </p:nvSpPr>
+        <p:spPr>
+          <a:xfrm>
+            <a:off x="685800" y="1143000"/>
+            <a:ext cx="5486400" cy="3086100"/>
+          </a:xfrm>
+          <a:prstGeom prst="rect">
+            <a:avLst/>
+          </a:prstGeom>
+          <a:noFill/>
+          <a:ln w="12700">
+            <a:solidFill>
+              <a:prstClr val="black"/>
+            </a:solidFill>
+          </a:ln>
+        </p:spPr>
+        <p:txBody>
+          <a:bodyPr vert="horz" lIns="91440" tIns="45720" rIns="91440" bIns="45720" rtlCol="0" anchor="ctr"/>
+          <a:lstStyle/>
+          <a:p>
+            <a:endParaRPr lang="en-US"/>
+          </a:p>
+        </p:txBody>
+      </p:sp>
+      <p:sp>
+        <p:nvSpPr>
+          <p:cNvPr id="5" name="Notes Placeholder 4"/>
+          <p:cNvSpPr>
+            <a:spLocks noGrp="1"/>
+          </p:cNvSpPr>
+          <p:nvPr>
+            <p:ph type="body" sz="quarter" idx="3"/>
+          </p:nvPr>
+        </p:nvSpPr>
+        <p:spPr>
+          <a:xfrm>
+            <a:off x="685800" y="4400550"/>
+            <a:ext cx="5486400" cy="3600450"/>
+          </a:xfrm>
+          <a:prstGeom prst="rect">
+            <a:avLst/>
+          </a:prstGeom>
+        </p:spPr>
+        <p:txBody>
+          <a:bodyPr vert="horz" lIns="91440" tIns="45720" rIns="91440" bIns="45720" rtlCol="0"/>
+          <a:lstStyle/>
+          <a:p>
+            <a:pPr lvl="0"/>
+            <a:r>
+              <a:rPr lang="en-US" smtClean="0"/>
+              <a:t>Edit Master text styles</a:t>
+            </a:r>
+          </a:p>
+          <a:p>
+            <a:pPr lvl="1"/>
+            <a:r>
+              <a:rPr lang="en-US" smtClean="0"/>
+              <a:t>Second level</a:t>
+            </a:r>
+          </a:p>
+          <a:p>
+            <a:pPr lvl="2"/>
+            <a:r>
+              <a:rPr lang="en-US" smtClean="0"/>
+              <a:t>Third level</a:t>
+            </a:r>
+          </a:p>
+          <a:p>
+            <a:pPr lvl="3"/>
+            <a:r>
+              <a:rPr lang="en-US" smtClean="0"/>
+              <a:t>Fourth level</a:t>
+            </a:r>
+          </a:p>
+          <a:p>
+            <a:pPr lvl="4"/>
+            <a:r>
+              <a:rPr lang="en-US" smtClean="0"/>
+              <a:t>Fifth level</a:t>
+            </a:r>
+            <a:endParaRPr lang="en-US"/>
+          </a:p>
+        </p:txBody>
+      </p:sp>
+      <p:sp>
+        <p:nvSpPr>
+          <p:cNvPr id="6" name="Footer Placeholder 5"/>
+          <p:cNvSpPr>
+            <a:spLocks noGrp="1"/>
+          </p:cNvSpPr>
+          <p:nvPr>
+            <p:ph type="ftr" sz="quarter" idx="4"/>
+          </p:nvPr>
+        </p:nvSpPr>
+        <p:spPr>
+          <a:xfrm>
+            <a:off x="0" y="8685213"/>
+            <a:ext cx="2971800" cy="458787"/>
+          </a:xfrm>
+          <a:prstGeom prst="rect">
+            <a:avLst/>
+          </a:prstGeom>
+        </p:spPr>
+        <p:txBody>
+          <a:bodyPr vert="horz" lIns="91440" tIns="45720" rIns="91440" bIns="45720" rtlCol="0" anchor="b"/>
+          <a:lstStyle>
+            <a:lvl1pPr algn="l">
+              <a:defRPr sz="1200"/>
+            </a:lvl1pPr>
+          </a:lstStyle>
+          <a:p>
+            <a:endParaRPr lang="en-US"/>
+          </a:p>
+        </p:txBody>
+      </p:sp>
+      <p:sp>
+        <p:nvSpPr>
+          <p:cNvPr id="7" name="Slide Number Placeholder 6"/>
+          <p:cNvSpPr>
+            <a:spLocks noGrp="1"/>
+          </p:cNvSpPr>
+          <p:nvPr>
+            <p:ph type="sldNum" sz="quarter" idx="5"/>
+          </p:nvPr>
+        </p:nvSpPr>
+        <p:spPr>
+          <a:xfrm>
+            <a:off x="3884613" y="8685213"/>
+            <a:ext cx="2971800" cy="458787"/>
+          </a:xfrm>
+          <a:prstGeom prst="rect">
+            <a:avLst/>
+          </a:prstGeom>
+        </p:spPr>
+        <p:txBody>
+          <a:bodyPr vert="horz" lIns="91440" tIns="45720" rIns="91440" bIns="45720" rtlCol="0" anchor="b"/>
+          <a:lstStyle>
+            <a:lvl1pPr algn="r">
+              <a:defRPr sz="1200"/>
+            </a:lvl1pPr>
+          </a:lstStyle>
+          <a:p>
+            <a:fld id="{C680B22B-12CB-473A-B99E-6D792725DEEF}" type="slidenum">
+              <a:rPr lang="en-US" smtClean="0"/>
+              <a:t>‹#›</a:t>
+            </a:fld>
+            <a:endParaRPr lang="en-US"/>
+          </a:p>
+        </p:txBody>
+      </p:sp>
+    </p:spTree>
+    <p:extLst>
+      <p:ext uri="{BB962C8B-B14F-4D97-AF65-F5344CB8AC3E}">
+        <p14:creationId xmlns:p14="http://schemas.microsoft.com/office/powerpoint/2010/main" val="3734202365"/>
+      </p:ext>
+    </p:extLst>
+  </p:cSld>
+  <p:clrMap bg1="lt1" tx1="dk1" bg2="lt2" tx2="dk2" accent1="accent1" accent2="accent2" accent3="accent3" accent4="accent4" accent5="accent5" accent6="accent6" hlink="hlink" folHlink="folHlink"/>
+  <p:notesStyle>
+    <a:lvl1pPr marL="0" algn="l" defTabSz="914400" rtl="0" eaLnBrk="1" latinLnBrk="0" hangingPunct="1">
+      <a:defRPr sz="1200" kern="1200">
+        <a:solidFill>
+          <a:schemeClr val="tx1"/>
+        </a:solidFill>
+        <a:latin typeface="+mn-lt"/>
+        <a:ea typeface="+mn-ea"/>
+        <a:cs typeface="+mn-cs"/>
+      </a:defRPr>
+    </a:lvl1pPr>
+    <a:lvl2pPr marL="457200" algn="l" defTabSz="914400" rtl="0" eaLnBrk="1" latinLnBrk="0" hangingPunct="1">
+      <a:defRPr sz="1200" kern="1200">
+        <a:solidFill>
+          <a:schemeClr val="tx1"/>
+        </a:solidFill>
+        <a:latin typeface="+mn-lt"/>
+        <a:ea typeface="+mn-ea"/>
+        <a:cs typeface="+mn-cs"/>
+      </a:defRPr>
+    </a:lvl2pPr>
+    <a:lvl3pPr marL="914400" algn="l" defTabSz="914400" rtl="0" eaLnBrk="1" latinLnBrk="0" hangingPunct="1">
+      <a:defRPr sz="1200" kern="1200">
+        <a:solidFill>
+          <a:schemeClr val="tx1"/>
+        </a:solidFill>
+        <a:latin typeface="+mn-lt"/>
+        <a:ea typeface="+mn-ea"/>
+        <a:cs typeface="+mn-cs"/>
+      </a:defRPr>
+    </a:lvl3pPr>
+    <a:lvl4pPr marL="1371600" algn="l" defTabSz="914400" rtl="0" eaLnBrk="1" latinLnBrk="0" hangingPunct="1">
+      <a:defRPr sz="1200" kern="1200">
+        <a:solidFill>
+          <a:schemeClr val="tx1"/>
+        </a:solidFill>
+        <a:latin typeface="+mn-lt"/>
+        <a:ea typeface="+mn-ea"/>
+        <a:cs typeface="+mn-cs"/>
+      </a:defRPr>
+    </a:lvl4pPr>
+    <a:lvl5pPr marL="1828800" algn="l" defTabSz="914400" rtl="0" eaLnBrk="1" latinLnBrk="0" hangingPunct="1">
+      <a:defRPr sz="1200" kern="1200">
+        <a:solidFill>
+          <a:schemeClr val="tx1"/>
+        </a:solidFill>
+        <a:latin typeface="+mn-lt"/>
+        <a:ea typeface="+mn-ea"/>
+        <a:cs typeface="+mn-cs"/>
+      </a:defRPr>
+    </a:lvl5pPr>
+    <a:lvl6pPr marL="2286000" algn="l" defTabSz="914400" rtl="0" eaLnBrk="1" latinLnBrk="0" hangingPunct="1">
+      <a:defRPr sz="1200" kern="1200">
+        <a:solidFill>
+          <a:schemeClr val="tx1"/>
+        </a:solidFill>
+        <a:latin typeface="+mn-lt"/>
+        <a:ea typeface="+mn-ea"/>
+        <a:cs typeface="+mn-cs"/>
+      </a:defRPr>
+    </a:lvl6pPr>
+    <a:lvl7pPr marL="2743200" algn="l" defTabSz="914400" rtl="0" eaLnBrk="1" latinLnBrk="0" hangingPunct="1">
+      <a:defRPr sz="1200" kern="1200">
+        <a:solidFill>
+          <a:schemeClr val="tx1"/>
+        </a:solidFill>
+        <a:latin typeface="+mn-lt"/>
+        <a:ea typeface="+mn-ea"/>
+        <a:cs typeface="+mn-cs"/>
+      </a:defRPr>
+    </a:lvl7pPr>
+    <a:lvl8pPr marL="3200400" algn="l" defTabSz="914400" rtl="0" eaLnBrk="1" latinLnBrk="0" hangingPunct="1">
+      <a:defRPr sz="1200" kern="1200">
+        <a:solidFill>
+          <a:schemeClr val="tx1"/>
+        </a:solidFill>
+        <a:latin typeface="+mn-lt"/>
+        <a:ea typeface="+mn-ea"/>
+        <a:cs typeface="+mn-cs"/>
+      </a:defRPr>
+    </a:lvl8pPr>
+    <a:lvl9pPr marL="3657600" algn="l" defTabSz="914400" rtl="0" eaLnBrk="1" latinLnBrk="0" hangingPunct="1">
+      <a:defRPr sz="1200" kern="1200">
+        <a:solidFill>
+          <a:schemeClr val="tx1"/>
+        </a:solidFill>
+        <a:latin typeface="+mn-lt"/>
+        <a:ea typeface="+mn-ea"/>
+        <a:cs typeface="+mn-cs"/>
+      </a:defRPr>
+    </a:lvl9pPr>
+  </p:notesStyle>
+</p:notesMaster>
+</file>
+
 <file path=ppt/slideLayouts/slideLayout1.xml><?xml version="1.0" encoding="utf-8"?>
 <p:sldLayout xmlns:a="http://schemas.openxmlformats.org/drawingml/2006/main" xmlns:r="http://schemas.openxmlformats.org/officeDocument/2006/relationships" xmlns:p="http://schemas.openxmlformats.org/presentationml/2006/main" showMasterSp="0" type="title" preserve="1">
   <p:cSld name="Title Slide">
@@ -353,9 +706,9 @@
           <a:bodyPr/>
           <a:lstStyle/>
           <a:p>
-            <a:fld id="{48A87A34-81AB-432B-8DAE-1953F412C126}" type="datetimeFigureOut">
+            <a:fld id="{BC6381E0-FB05-46EA-A687-FF735BB57206}" type="datetime1">
               <a:rPr lang="en-US" smtClean="0"/>
-              <a:t>9/2/2020</a:t>
+              <a:t>9/3/2020</a:t>
             </a:fld>
             <a:endParaRPr lang="en-US" dirty="0"/>
           </a:p>
@@ -393,10 +746,15 @@
         <p:spPr/>
         <p:txBody>
           <a:bodyPr/>
-          <a:lstStyle/>
+          <a:lstStyle>
+            <a:lvl1pPr>
+              <a:defRPr sz="2000"/>
+            </a:lvl1pPr>
+          </a:lstStyle>
           <a:p>
             <a:fld id="{6D22F896-40B5-4ADD-8801-0D06FADFA095}" type="slidenum">
               <a:rPr lang="en-US" smtClean="0"/>
+              <a:pPr/>
               <a:t>‹#›</a:t>
             </a:fld>
             <a:endParaRPr lang="en-US" dirty="0"/>
@@ -451,6 +809,13 @@
   <p:clrMapOvr>
     <a:masterClrMapping/>
   </p:clrMapOvr>
+  <p:timing>
+    <p:tnLst>
+      <p:par>
+        <p:cTn id="1" dur="indefinite" restart="never" nodeType="tmRoot"/>
+      </p:par>
+    </p:tnLst>
+  </p:timing>
 </p:sldLayout>
 </file>
 
@@ -561,9 +926,9 @@
           <a:bodyPr/>
           <a:lstStyle/>
           <a:p>
-            <a:fld id="{48A87A34-81AB-432B-8DAE-1953F412C126}" type="datetimeFigureOut">
+            <a:fld id="{C65C8D78-59A1-403A-BBD7-37CD8FECA16F}" type="datetime1">
               <a:rPr lang="en-US" smtClean="0"/>
-              <a:t>9/2/2020</a:t>
+              <a:t>9/3/2020</a:t>
             </a:fld>
             <a:endParaRPr lang="en-US" dirty="0"/>
           </a:p>
@@ -621,6 +986,13 @@
   <p:clrMapOvr>
     <a:masterClrMapping/>
   </p:clrMapOvr>
+  <p:timing>
+    <p:tnLst>
+      <p:par>
+        <p:cTn id="1" dur="indefinite" restart="never" nodeType="tmRoot"/>
+      </p:par>
+    </p:tnLst>
+  </p:timing>
 </p:sldLayout>
 </file>
 
@@ -817,9 +1189,9 @@
           <a:bodyPr/>
           <a:lstStyle/>
           <a:p>
-            <a:fld id="{48A87A34-81AB-432B-8DAE-1953F412C126}" type="datetimeFigureOut">
+            <a:fld id="{B8E4A7E6-F5A7-42FF-9535-657434D1E12E}" type="datetime1">
               <a:rPr lang="en-US" smtClean="0"/>
-              <a:t>9/2/2020</a:t>
+              <a:t>9/3/2020</a:t>
             </a:fld>
             <a:endParaRPr lang="en-US" dirty="0"/>
           </a:p>
@@ -877,6 +1249,13 @@
   <p:clrMapOvr>
     <a:masterClrMapping/>
   </p:clrMapOvr>
+  <p:timing>
+    <p:tnLst>
+      <p:par>
+        <p:cTn id="1" dur="indefinite" restart="never" nodeType="tmRoot"/>
+      </p:par>
+    </p:tnLst>
+  </p:timing>
 </p:sldLayout>
 </file>
 
@@ -991,9 +1370,9 @@
           <a:bodyPr/>
           <a:lstStyle/>
           <a:p>
-            <a:fld id="{48A87A34-81AB-432B-8DAE-1953F412C126}" type="datetimeFigureOut">
+            <a:fld id="{5131F98B-01B1-453E-AEC9-E93DA8F50657}" type="datetime1">
               <a:rPr lang="en-US" smtClean="0"/>
-              <a:t>9/2/2020</a:t>
+              <a:t>9/3/2020</a:t>
             </a:fld>
             <a:endParaRPr lang="en-US" dirty="0"/>
           </a:p>
@@ -1051,6 +1430,13 @@
   <p:clrMapOvr>
     <a:masterClrMapping/>
   </p:clrMapOvr>
+  <p:timing>
+    <p:tnLst>
+      <p:par>
+        <p:cTn id="1" dur="indefinite" restart="never" nodeType="tmRoot"/>
+      </p:par>
+    </p:tnLst>
+  </p:timing>
 </p:sldLayout>
 </file>
 
@@ -1334,9 +1720,9 @@
           <a:bodyPr/>
           <a:lstStyle/>
           <a:p>
-            <a:fld id="{48A87A34-81AB-432B-8DAE-1953F412C126}" type="datetimeFigureOut">
+            <a:fld id="{7396CBE9-0DBC-4230-AB9B-541E0066AC3E}" type="datetime1">
               <a:rPr lang="en-US" smtClean="0"/>
-              <a:t>9/2/2020</a:t>
+              <a:t>9/3/2020</a:t>
             </a:fld>
             <a:endParaRPr lang="en-US" dirty="0"/>
           </a:p>
@@ -1432,6 +1818,13 @@
   <p:clrMapOvr>
     <a:masterClrMapping/>
   </p:clrMapOvr>
+  <p:timing>
+    <p:tnLst>
+      <p:par>
+        <p:cTn id="1" dur="indefinite" restart="never" nodeType="tmRoot"/>
+      </p:par>
+    </p:tnLst>
+  </p:timing>
 </p:sldLayout>
 </file>
 
@@ -1609,9 +2002,9 @@
           <a:bodyPr/>
           <a:lstStyle/>
           <a:p>
-            <a:fld id="{48A87A34-81AB-432B-8DAE-1953F412C126}" type="datetimeFigureOut">
+            <a:fld id="{5254DCDA-D56C-49F8-B059-4D069EE2F5D9}" type="datetime1">
               <a:rPr lang="en-US" smtClean="0"/>
-              <a:t>9/2/2020</a:t>
+              <a:t>9/3/2020</a:t>
             </a:fld>
             <a:endParaRPr lang="en-US" dirty="0"/>
           </a:p>
@@ -1669,6 +2062,13 @@
   <p:clrMapOvr>
     <a:masterClrMapping/>
   </p:clrMapOvr>
+  <p:timing>
+    <p:tnLst>
+      <p:par>
+        <p:cTn id="1" dur="indefinite" restart="never" nodeType="tmRoot"/>
+      </p:par>
+    </p:tnLst>
+  </p:timing>
 </p:sldLayout>
 </file>
 
@@ -1988,9 +2388,9 @@
           <a:bodyPr/>
           <a:lstStyle/>
           <a:p>
-            <a:fld id="{48A87A34-81AB-432B-8DAE-1953F412C126}" type="datetimeFigureOut">
+            <a:fld id="{AA908216-3C4D-429C-A3D9-CB55808C36DE}" type="datetime1">
               <a:rPr lang="en-US" smtClean="0"/>
-              <a:t>9/2/2020</a:t>
+              <a:t>9/3/2020</a:t>
             </a:fld>
             <a:endParaRPr lang="en-US" dirty="0"/>
           </a:p>
@@ -2048,6 +2448,13 @@
   <p:clrMapOvr>
     <a:masterClrMapping/>
   </p:clrMapOvr>
+  <p:timing>
+    <p:tnLst>
+      <p:par>
+        <p:cTn id="1" dur="indefinite" restart="never" nodeType="tmRoot"/>
+      </p:par>
+    </p:tnLst>
+  </p:timing>
 </p:sldLayout>
 </file>
 
@@ -2106,9 +2513,9 @@
           <a:bodyPr/>
           <a:lstStyle/>
           <a:p>
-            <a:fld id="{48A87A34-81AB-432B-8DAE-1953F412C126}" type="datetimeFigureOut">
+            <a:fld id="{EA325EC6-4146-4A21-8BF6-79DB3A7762C5}" type="datetime1">
               <a:rPr lang="en-US" smtClean="0"/>
-              <a:t>9/2/2020</a:t>
+              <a:t>9/3/2020</a:t>
             </a:fld>
             <a:endParaRPr lang="en-US" dirty="0"/>
           </a:p>
@@ -2166,6 +2573,13 @@
   <p:clrMapOvr>
     <a:masterClrMapping/>
   </p:clrMapOvr>
+  <p:timing>
+    <p:tnLst>
+      <p:par>
+        <p:cTn id="1" dur="indefinite" restart="never" nodeType="tmRoot"/>
+      </p:par>
+    </p:tnLst>
+  </p:timing>
 </p:sldLayout>
 </file>
 
@@ -2277,9 +2691,9 @@
           <a:bodyPr/>
           <a:lstStyle/>
           <a:p>
-            <a:fld id="{48A87A34-81AB-432B-8DAE-1953F412C126}" type="datetimeFigureOut">
+            <a:fld id="{33A6A7A4-1F25-429F-8CB5-61675B223663}" type="datetime1">
               <a:rPr lang="en-US" smtClean="0"/>
-              <a:t>9/2/2020</a:t>
+              <a:t>9/3/2020</a:t>
             </a:fld>
             <a:endParaRPr lang="en-US" dirty="0"/>
           </a:p>
@@ -2345,6 +2759,13 @@
   <p:clrMapOvr>
     <a:masterClrMapping/>
   </p:clrMapOvr>
+  <p:timing>
+    <p:tnLst>
+      <p:par>
+        <p:cTn id="1" dur="indefinite" restart="never" nodeType="tmRoot"/>
+      </p:par>
+    </p:tnLst>
+  </p:timing>
 </p:sldLayout>
 </file>
 
@@ -2631,9 +3052,9 @@
             </a:lvl1pPr>
           </a:lstStyle>
           <a:p>
-            <a:fld id="{48A87A34-81AB-432B-8DAE-1953F412C126}" type="datetimeFigureOut">
+            <a:fld id="{16B10F70-890F-412B-B545-1260520BFD64}" type="datetime1">
               <a:rPr lang="en-US" smtClean="0"/>
-              <a:t>9/2/2020</a:t>
+              <a:t>9/3/2020</a:t>
             </a:fld>
             <a:endParaRPr lang="en-US" dirty="0"/>
           </a:p>
@@ -2712,6 +3133,13 @@
   <p:clrMapOvr>
     <a:masterClrMapping/>
   </p:clrMapOvr>
+  <p:timing>
+    <p:tnLst>
+      <p:par>
+        <p:cTn id="1" dur="indefinite" restart="never" nodeType="tmRoot"/>
+      </p:par>
+    </p:tnLst>
+  </p:timing>
 </p:sldLayout>
 </file>
 
@@ -3013,9 +3441,9 @@
           <a:bodyPr/>
           <a:lstStyle/>
           <a:p>
-            <a:fld id="{48A87A34-81AB-432B-8DAE-1953F412C126}" type="datetimeFigureOut">
+            <a:fld id="{1449A53A-4F4A-43F2-9DF0-A23599631C76}" type="datetime1">
               <a:rPr lang="en-US" smtClean="0"/>
-              <a:t>9/2/2020</a:t>
+              <a:t>9/3/2020</a:t>
             </a:fld>
             <a:endParaRPr lang="en-US" dirty="0"/>
           </a:p>
@@ -3073,6 +3501,13 @@
   <p:clrMapOvr>
     <a:masterClrMapping/>
   </p:clrMapOvr>
+  <p:timing>
+    <p:tnLst>
+      <p:par>
+        <p:cTn id="1" dur="indefinite" restart="never" nodeType="tmRoot"/>
+      </p:par>
+    </p:tnLst>
+  </p:timing>
 </p:sldLayout>
 </file>
 
@@ -3300,10 +3735,9 @@
             </a:lvl1pPr>
           </a:lstStyle>
           <a:p>
-            <a:fld id="{48A87A34-81AB-432B-8DAE-1953F412C126}" type="datetimeFigureOut">
+            <a:fld id="{CB1F408C-14A1-4A6C-B01C-C7EB7C3310A6}" type="datetime1">
               <a:rPr lang="en-US" smtClean="0"/>
-              <a:pPr/>
-              <a:t>9/2/2020</a:t>
+              <a:t>9/3/2020</a:t>
             </a:fld>
             <a:endParaRPr lang="en-US" dirty="0"/>
           </a:p>
@@ -3367,7 +3801,7 @@
           <a:bodyPr vert="horz" lIns="91440" tIns="45720" rIns="91440" bIns="45720" rtlCol="0" anchor="ctr"/>
           <a:lstStyle>
             <a:lvl1pPr algn="r">
-              <a:defRPr sz="1050">
+              <a:defRPr sz="2000">
                 <a:solidFill>
                   <a:srgbClr val="FFFFFF"/>
                 </a:solidFill>
@@ -3443,6 +3877,14 @@
     <p:sldLayoutId id="2147483679" r:id="rId10"/>
     <p:sldLayoutId id="2147483680" r:id="rId11"/>
   </p:sldLayoutIdLst>
+  <p:timing>
+    <p:tnLst>
+      <p:par>
+        <p:cTn id="1" dur="indefinite" restart="never" nodeType="tmRoot"/>
+      </p:par>
+    </p:tnLst>
+  </p:timing>
+  <p:hf hdr="0" ftr="0" dt="0"/>
   <p:txStyles>
     <p:titleStyle>
       <a:lvl1pPr algn="l" defTabSz="914400" rtl="0" eaLnBrk="1" latinLnBrk="0" hangingPunct="1">
@@ -4821,6 +5263,29 @@
           </a:prstGeom>
         </p:spPr>
       </p:pic>
+      <p:sp>
+        <p:nvSpPr>
+          <p:cNvPr id="4" name="Slide Number Placeholder 3"/>
+          <p:cNvSpPr>
+            <a:spLocks noGrp="1"/>
+          </p:cNvSpPr>
+          <p:nvPr>
+            <p:ph type="sldNum" sz="quarter" idx="12"/>
+          </p:nvPr>
+        </p:nvSpPr>
+        <p:spPr/>
+        <p:txBody>
+          <a:bodyPr/>
+          <a:lstStyle/>
+          <a:p>
+            <a:fld id="{6D22F896-40B5-4ADD-8801-0D06FADFA095}" type="slidenum">
+              <a:rPr lang="en-US" smtClean="0"/>
+              <a:t>10</a:t>
+            </a:fld>
+            <a:endParaRPr lang="en-US" dirty="0"/>
+          </a:p>
+        </p:txBody>
+      </p:sp>
     </p:spTree>
     <p:extLst>
       <p:ext uri="{BB962C8B-B14F-4D97-AF65-F5344CB8AC3E}">
@@ -5028,6 +5493,29 @@
           </a:prstGeom>
         </p:spPr>
       </p:pic>
+      <p:sp>
+        <p:nvSpPr>
+          <p:cNvPr id="6" name="Slide Number Placeholder 5"/>
+          <p:cNvSpPr>
+            <a:spLocks noGrp="1"/>
+          </p:cNvSpPr>
+          <p:nvPr>
+            <p:ph type="sldNum" sz="quarter" idx="12"/>
+          </p:nvPr>
+        </p:nvSpPr>
+        <p:spPr/>
+        <p:txBody>
+          <a:bodyPr/>
+          <a:lstStyle/>
+          <a:p>
+            <a:fld id="{6D22F896-40B5-4ADD-8801-0D06FADFA095}" type="slidenum">
+              <a:rPr lang="en-US" smtClean="0"/>
+              <a:t>11</a:t>
+            </a:fld>
+            <a:endParaRPr lang="en-US" dirty="0"/>
+          </a:p>
+        </p:txBody>
+      </p:sp>
     </p:spTree>
     <p:extLst>
       <p:ext uri="{BB962C8B-B14F-4D97-AF65-F5344CB8AC3E}">
@@ -5167,6 +5655,29 @@
           </a:prstGeom>
         </p:spPr>
       </p:pic>
+      <p:sp>
+        <p:nvSpPr>
+          <p:cNvPr id="4" name="Slide Number Placeholder 3"/>
+          <p:cNvSpPr>
+            <a:spLocks noGrp="1"/>
+          </p:cNvSpPr>
+          <p:nvPr>
+            <p:ph type="sldNum" sz="quarter" idx="12"/>
+          </p:nvPr>
+        </p:nvSpPr>
+        <p:spPr/>
+        <p:txBody>
+          <a:bodyPr/>
+          <a:lstStyle/>
+          <a:p>
+            <a:fld id="{6D22F896-40B5-4ADD-8801-0D06FADFA095}" type="slidenum">
+              <a:rPr lang="en-US" smtClean="0"/>
+              <a:t>12</a:t>
+            </a:fld>
+            <a:endParaRPr lang="en-US" dirty="0"/>
+          </a:p>
+        </p:txBody>
+      </p:sp>
     </p:spTree>
     <p:extLst>
       <p:ext uri="{BB962C8B-B14F-4D97-AF65-F5344CB8AC3E}">
@@ -5707,6 +6218,29 @@
           </p:sp>
         </mc:Fallback>
       </mc:AlternateContent>
+      <p:sp>
+        <p:nvSpPr>
+          <p:cNvPr id="4" name="Slide Number Placeholder 3"/>
+          <p:cNvSpPr>
+            <a:spLocks noGrp="1"/>
+          </p:cNvSpPr>
+          <p:nvPr>
+            <p:ph type="sldNum" sz="quarter" idx="12"/>
+          </p:nvPr>
+        </p:nvSpPr>
+        <p:spPr/>
+        <p:txBody>
+          <a:bodyPr/>
+          <a:lstStyle/>
+          <a:p>
+            <a:fld id="{6D22F896-40B5-4ADD-8801-0D06FADFA095}" type="slidenum">
+              <a:rPr lang="en-US" smtClean="0"/>
+              <a:t>13</a:t>
+            </a:fld>
+            <a:endParaRPr lang="en-US" dirty="0"/>
+          </a:p>
+        </p:txBody>
+      </p:sp>
     </p:spTree>
     <p:extLst>
       <p:ext uri="{BB962C8B-B14F-4D97-AF65-F5344CB8AC3E}">
@@ -5888,6 +6422,29 @@
               <a:t>0.3679)								S=0</a:t>
             </a:r>
             <a:endParaRPr lang="en-US" sz="2000" b="1" dirty="0"/>
+          </a:p>
+        </p:txBody>
+      </p:sp>
+      <p:sp>
+        <p:nvSpPr>
+          <p:cNvPr id="3" name="Slide Number Placeholder 2"/>
+          <p:cNvSpPr>
+            <a:spLocks noGrp="1"/>
+          </p:cNvSpPr>
+          <p:nvPr>
+            <p:ph type="sldNum" sz="quarter" idx="12"/>
+          </p:nvPr>
+        </p:nvSpPr>
+        <p:spPr/>
+        <p:txBody>
+          <a:bodyPr/>
+          <a:lstStyle/>
+          <a:p>
+            <a:fld id="{6D22F896-40B5-4ADD-8801-0D06FADFA095}" type="slidenum">
+              <a:rPr lang="en-US" smtClean="0"/>
+              <a:t>14</a:t>
+            </a:fld>
+            <a:endParaRPr lang="en-US" dirty="0"/>
           </a:p>
         </p:txBody>
       </p:sp>
@@ -6465,8 +7022,8 @@
           </p:sp>
         </mc:Fallback>
       </mc:AlternateContent>
-      <mc:AlternateContent xmlns:mc="http://schemas.openxmlformats.org/markup-compatibility/2006" xmlns:a14="http://schemas.microsoft.com/office/drawing/2010/main">
-        <mc:Choice Requires="a14">
+      <mc:AlternateContent xmlns:mc="http://schemas.openxmlformats.org/markup-compatibility/2006">
+        <mc:Choice xmlns:a14="http://schemas.microsoft.com/office/drawing/2010/main" Requires="a14">
           <p:sp>
             <p:nvSpPr>
               <p:cNvPr id="8" name="Rectangle 7"/>
@@ -6476,7 +7033,7 @@
             <p:spPr>
               <a:xfrm>
                 <a:off x="1097280" y="3664358"/>
-                <a:ext cx="2507674" cy="445058"/>
+                <a:ext cx="2570447" cy="444674"/>
               </a:xfrm>
               <a:prstGeom prst="rect">
                 <a:avLst/>
@@ -6578,15 +7135,15 @@
                   <a:t>= 7.02 </a:t>
                 </a:r>
                 <a:r>
-                  <a:rPr lang="en-US" b="1" dirty="0" err="1" smtClean="0"/>
-                  <a:t>hr</a:t>
+                  <a:rPr lang="en-US" b="1" dirty="0" smtClean="0"/>
+                  <a:t>hr.</a:t>
                 </a:r>
                 <a:endParaRPr lang="en-US" b="1" dirty="0"/>
               </a:p>
             </p:txBody>
           </p:sp>
         </mc:Choice>
-        <mc:Fallback xmlns="">
+        <mc:Fallback>
           <p:sp>
             <p:nvSpPr>
               <p:cNvPr id="8" name="Rectangle 7"/>
@@ -6598,7 +7155,7 @@
             <p:spPr>
               <a:xfrm>
                 <a:off x="1097280" y="3664358"/>
-                <a:ext cx="2507674" cy="445058"/>
+                <a:ext cx="2570447" cy="444674"/>
               </a:xfrm>
               <a:prstGeom prst="rect">
                 <a:avLst/>
@@ -6606,7 +7163,7 @@
               <a:blipFill>
                 <a:blip r:embed="rId4"/>
                 <a:stretch>
-                  <a:fillRect l="-487" t="-115068" r="-2190" b="-179452"/>
+                  <a:fillRect l="-474" t="-115068" r="-1185" b="-179452"/>
                 </a:stretch>
               </a:blipFill>
             </p:spPr>
@@ -6615,7 +7172,7 @@
               <a:lstStyle/>
               <a:p>
                 <a:r>
-                  <a:rPr lang="en-CA">
+                  <a:rPr lang="en-US">
                     <a:noFill/>
                   </a:rPr>
                   <a:t> </a:t>
@@ -6655,6 +7212,29 @@
           </a:prstGeom>
         </p:spPr>
       </p:pic>
+      <p:sp>
+        <p:nvSpPr>
+          <p:cNvPr id="4" name="Slide Number Placeholder 3"/>
+          <p:cNvSpPr>
+            <a:spLocks noGrp="1"/>
+          </p:cNvSpPr>
+          <p:nvPr>
+            <p:ph type="sldNum" sz="quarter" idx="12"/>
+          </p:nvPr>
+        </p:nvSpPr>
+        <p:spPr/>
+        <p:txBody>
+          <a:bodyPr/>
+          <a:lstStyle/>
+          <a:p>
+            <a:fld id="{6D22F896-40B5-4ADD-8801-0D06FADFA095}" type="slidenum">
+              <a:rPr lang="en-US" smtClean="0"/>
+              <a:t>15</a:t>
+            </a:fld>
+            <a:endParaRPr lang="en-US" dirty="0"/>
+          </a:p>
+        </p:txBody>
+      </p:sp>
     </p:spTree>
     <p:extLst>
       <p:ext uri="{BB962C8B-B14F-4D97-AF65-F5344CB8AC3E}">
@@ -6815,6 +7395,29 @@
               <a:t>Expansion of unit capacity</a:t>
             </a:r>
             <a:endParaRPr lang="en-US" b="1" dirty="0"/>
+          </a:p>
+        </p:txBody>
+      </p:sp>
+      <p:sp>
+        <p:nvSpPr>
+          <p:cNvPr id="4" name="Slide Number Placeholder 3"/>
+          <p:cNvSpPr>
+            <a:spLocks noGrp="1"/>
+          </p:cNvSpPr>
+          <p:nvPr>
+            <p:ph type="sldNum" sz="quarter" idx="12"/>
+          </p:nvPr>
+        </p:nvSpPr>
+        <p:spPr/>
+        <p:txBody>
+          <a:bodyPr/>
+          <a:lstStyle/>
+          <a:p>
+            <a:fld id="{6D22F896-40B5-4ADD-8801-0D06FADFA095}" type="slidenum">
+              <a:rPr lang="en-US" smtClean="0"/>
+              <a:t>16</a:t>
+            </a:fld>
+            <a:endParaRPr lang="en-US" dirty="0"/>
           </a:p>
         </p:txBody>
       </p:sp>
@@ -7224,6 +7827,29 @@
           </a:p>
         </p:txBody>
       </p:sp>
+      <p:sp>
+        <p:nvSpPr>
+          <p:cNvPr id="6" name="Slide Number Placeholder 5"/>
+          <p:cNvSpPr>
+            <a:spLocks noGrp="1"/>
+          </p:cNvSpPr>
+          <p:nvPr>
+            <p:ph type="sldNum" sz="quarter" idx="12"/>
+          </p:nvPr>
+        </p:nvSpPr>
+        <p:spPr/>
+        <p:txBody>
+          <a:bodyPr/>
+          <a:lstStyle/>
+          <a:p>
+            <a:fld id="{6D22F896-40B5-4ADD-8801-0D06FADFA095}" type="slidenum">
+              <a:rPr lang="en-US" smtClean="0"/>
+              <a:t>17</a:t>
+            </a:fld>
+            <a:endParaRPr lang="en-US" dirty="0"/>
+          </a:p>
+        </p:txBody>
+      </p:sp>
     </p:spTree>
     <p:extLst>
       <p:ext uri="{BB962C8B-B14F-4D97-AF65-F5344CB8AC3E}">
@@ -7310,7 +7936,7 @@
               <a:t>D. </a:t>
             </a:r>
             <a:r>
-              <a:rPr lang="en-US" dirty="0" err="1"/>
+              <a:rPr lang="en-US" dirty="0"/>
               <a:t>Mavinic</a:t>
             </a:r>
             <a:r>
@@ -7326,7 +7952,7 @@
               <a:t>, “</a:t>
             </a:r>
             <a:r>
-              <a:rPr lang="en-US" dirty="0" err="1"/>
+              <a:rPr lang="en-US" dirty="0"/>
               <a:t>Canads’s</a:t>
             </a:r>
             <a:r>
@@ -7344,7 +7970,7 @@
               <a:t>Y. Le </a:t>
             </a:r>
             <a:r>
-              <a:rPr lang="en-US" dirty="0" err="1"/>
+              <a:rPr lang="en-US" dirty="0"/>
               <a:t>Moullec</a:t>
             </a:r>
             <a:r>
@@ -7352,7 +7978,7 @@
               <a:t>, C. </a:t>
             </a:r>
             <a:r>
-              <a:rPr lang="en-US" dirty="0" err="1"/>
+              <a:rPr lang="en-US" dirty="0"/>
               <a:t>Gentric</a:t>
             </a:r>
             <a:r>
@@ -7360,7 +7986,7 @@
               <a:t>, O. </a:t>
             </a:r>
             <a:r>
-              <a:rPr lang="en-US" dirty="0" err="1"/>
+              <a:rPr lang="en-US" dirty="0"/>
               <a:t>Potier</a:t>
             </a:r>
             <a:r>
@@ -7376,7 +8002,7 @@
               <a:t>, vol. 65, no. 1, pp. 492–498, Jan. 2010, </a:t>
             </a:r>
             <a:r>
-              <a:rPr lang="en-US" dirty="0" err="1"/>
+              <a:rPr lang="en-US" dirty="0"/>
               <a:t>doi</a:t>
             </a:r>
             <a:r>
@@ -7401,7 +8027,6 @@
               <a:rPr lang="en-US" dirty="0" smtClean="0"/>
               <a:t>).</a:t>
             </a:r>
-            <a:endParaRPr lang="en-US" dirty="0" smtClean="0"/>
           </a:p>
           <a:p>
             <a:pPr marL="742950" indent="-742950">
@@ -7425,7 +8050,7 @@
               <a:t>, vol. 98, no. 1, pp. 172–185, 2020, </a:t>
             </a:r>
             <a:r>
-              <a:rPr lang="en-US" dirty="0" err="1"/>
+              <a:rPr lang="en-US" dirty="0"/>
               <a:t>doi</a:t>
             </a:r>
             <a:r>
@@ -7466,6 +8091,29 @@
           </a:prstGeom>
         </p:spPr>
       </p:pic>
+      <p:sp>
+        <p:nvSpPr>
+          <p:cNvPr id="5" name="Slide Number Placeholder 4"/>
+          <p:cNvSpPr>
+            <a:spLocks noGrp="1"/>
+          </p:cNvSpPr>
+          <p:nvPr>
+            <p:ph type="sldNum" sz="quarter" idx="12"/>
+          </p:nvPr>
+        </p:nvSpPr>
+        <p:spPr/>
+        <p:txBody>
+          <a:bodyPr/>
+          <a:lstStyle/>
+          <a:p>
+            <a:fld id="{6D22F896-40B5-4ADD-8801-0D06FADFA095}" type="slidenum">
+              <a:rPr lang="en-US" smtClean="0"/>
+              <a:t>18</a:t>
+            </a:fld>
+            <a:endParaRPr lang="en-US" dirty="0"/>
+          </a:p>
+        </p:txBody>
+      </p:sp>
     </p:spTree>
     <p:extLst>
       <p:ext uri="{BB962C8B-B14F-4D97-AF65-F5344CB8AC3E}">
@@ -7520,7 +8168,7 @@
           <a:p>
             <a:r>
               <a:rPr lang="en-CA" dirty="0" smtClean="0"/>
-              <a:t>Table of Contents</a:t>
+              <a:t>Presentation Outline</a:t>
             </a:r>
             <a:endParaRPr lang="en-US" dirty="0"/>
           </a:p>
@@ -7997,6 +8645,29 @@
           </a:p>
         </p:txBody>
       </p:sp>
+      <p:sp>
+        <p:nvSpPr>
+          <p:cNvPr id="5" name="Slide Number Placeholder 4"/>
+          <p:cNvSpPr>
+            <a:spLocks noGrp="1"/>
+          </p:cNvSpPr>
+          <p:nvPr>
+            <p:ph type="sldNum" sz="quarter" idx="12"/>
+          </p:nvPr>
+        </p:nvSpPr>
+        <p:spPr/>
+        <p:txBody>
+          <a:bodyPr/>
+          <a:lstStyle/>
+          <a:p>
+            <a:fld id="{6D22F896-40B5-4ADD-8801-0D06FADFA095}" type="slidenum">
+              <a:rPr lang="en-US" smtClean="0"/>
+              <a:t>2</a:t>
+            </a:fld>
+            <a:endParaRPr lang="en-US" dirty="0"/>
+          </a:p>
+        </p:txBody>
+      </p:sp>
     </p:spTree>
     <p:extLst>
       <p:ext uri="{BB962C8B-B14F-4D97-AF65-F5344CB8AC3E}">
@@ -8177,7 +8848,7 @@
         </p:blipFill>
         <p:spPr>
           <a:xfrm>
-            <a:off x="7352144" y="2290618"/>
+            <a:off x="7388339" y="2004886"/>
             <a:ext cx="4741603" cy="3270598"/>
           </a:xfrm>
           <a:prstGeom prst="rect">
@@ -8193,8 +8864,8 @@
         </p:nvSpPr>
         <p:spPr>
           <a:xfrm>
-            <a:off x="8212974" y="5545928"/>
-            <a:ext cx="3092335" cy="646331"/>
+            <a:off x="8645237" y="5275484"/>
+            <a:ext cx="2942706" cy="646331"/>
           </a:xfrm>
           <a:prstGeom prst="rect">
             <a:avLst/>
@@ -8219,6 +8890,29 @@
               <a:rPr lang="en-US" dirty="0" smtClean="0"/>
               <a:t>[1]</a:t>
             </a:r>
+            <a:endParaRPr lang="en-US" dirty="0"/>
+          </a:p>
+        </p:txBody>
+      </p:sp>
+      <p:sp>
+        <p:nvSpPr>
+          <p:cNvPr id="5" name="Slide Number Placeholder 4"/>
+          <p:cNvSpPr>
+            <a:spLocks noGrp="1"/>
+          </p:cNvSpPr>
+          <p:nvPr>
+            <p:ph type="sldNum" sz="quarter" idx="12"/>
+          </p:nvPr>
+        </p:nvSpPr>
+        <p:spPr/>
+        <p:txBody>
+          <a:bodyPr/>
+          <a:lstStyle/>
+          <a:p>
+            <a:fld id="{6D22F896-40B5-4ADD-8801-0D06FADFA095}" type="slidenum">
+              <a:rPr lang="en-US" smtClean="0"/>
+              <a:t>3</a:t>
+            </a:fld>
             <a:endParaRPr lang="en-US" dirty="0"/>
           </a:p>
         </p:txBody>
@@ -8460,6 +9154,29 @@
           </a:p>
         </p:txBody>
       </p:sp>
+      <p:sp>
+        <p:nvSpPr>
+          <p:cNvPr id="6" name="Slide Number Placeholder 5"/>
+          <p:cNvSpPr>
+            <a:spLocks noGrp="1"/>
+          </p:cNvSpPr>
+          <p:nvPr>
+            <p:ph type="sldNum" sz="quarter" idx="12"/>
+          </p:nvPr>
+        </p:nvSpPr>
+        <p:spPr/>
+        <p:txBody>
+          <a:bodyPr/>
+          <a:lstStyle/>
+          <a:p>
+            <a:fld id="{6D22F896-40B5-4ADD-8801-0D06FADFA095}" type="slidenum">
+              <a:rPr lang="en-US" smtClean="0"/>
+              <a:t>4</a:t>
+            </a:fld>
+            <a:endParaRPr lang="en-US" dirty="0"/>
+          </a:p>
+        </p:txBody>
+      </p:sp>
     </p:spTree>
     <p:extLst>
       <p:ext uri="{BB962C8B-B14F-4D97-AF65-F5344CB8AC3E}">
@@ -8654,6 +9371,29 @@
           </a:prstGeom>
         </p:spPr>
       </p:pic>
+      <p:sp>
+        <p:nvSpPr>
+          <p:cNvPr id="5" name="Slide Number Placeholder 4"/>
+          <p:cNvSpPr>
+            <a:spLocks noGrp="1"/>
+          </p:cNvSpPr>
+          <p:nvPr>
+            <p:ph type="sldNum" sz="quarter" idx="12"/>
+          </p:nvPr>
+        </p:nvSpPr>
+        <p:spPr/>
+        <p:txBody>
+          <a:bodyPr/>
+          <a:lstStyle/>
+          <a:p>
+            <a:fld id="{6D22F896-40B5-4ADD-8801-0D06FADFA095}" type="slidenum">
+              <a:rPr lang="en-US" smtClean="0"/>
+              <a:t>5</a:t>
+            </a:fld>
+            <a:endParaRPr lang="en-US" dirty="0"/>
+          </a:p>
+        </p:txBody>
+      </p:sp>
     </p:spTree>
     <p:extLst>
       <p:ext uri="{BB962C8B-B14F-4D97-AF65-F5344CB8AC3E}">
@@ -8822,11 +9562,7 @@
           <a:p>
             <a:r>
               <a:rPr lang="en-CA" b="1" dirty="0" smtClean="0"/>
-              <a:t>STAR Reactor Process Flow </a:t>
-            </a:r>
-            <a:r>
-              <a:rPr lang="en-CA" b="1" dirty="0" smtClean="0"/>
-              <a:t>[4]</a:t>
+              <a:t>STAR Reactor Process Flow [4]</a:t>
             </a:r>
             <a:endParaRPr lang="en-US" b="1" baseline="-25000" dirty="0"/>
           </a:p>
@@ -8841,7 +9577,7 @@
           <p:nvPr>
             <p:extLst>
               <p:ext uri="{D42A27DB-BD31-4B8C-83A1-F6EECF244321}">
-                <p14:modId xmlns:p14="http://schemas.microsoft.com/office/powerpoint/2010/main" val="2780121927"/>
+                <p14:modId xmlns:p14="http://schemas.microsoft.com/office/powerpoint/2010/main" val="1662679105"/>
               </p:ext>
             </p:extLst>
           </p:nvPr>
@@ -8919,19 +9655,13 @@
                         <a:rPr lang="en-US" sz="1200" dirty="0">
                           <a:effectLst/>
                         </a:rPr>
-                        <a:t>Flow Rate (L/</a:t>
+                        <a:t>Flow Rate (</a:t>
                       </a:r>
                       <a:r>
-                        <a:rPr lang="en-US" sz="1200" dirty="0" err="1">
+                        <a:rPr lang="en-US" sz="1200" dirty="0" smtClean="0">
                           <a:effectLst/>
                         </a:rPr>
-                        <a:t>hr</a:t>
-                      </a:r>
-                      <a:r>
-                        <a:rPr lang="en-US" sz="1200" dirty="0">
-                          <a:effectLst/>
-                        </a:rPr>
-                        <a:t>)</a:t>
+                        <a:t>L/hr.)</a:t>
                       </a:r>
                       <a:endParaRPr lang="en-US" sz="1200" dirty="0">
                         <a:effectLst/>
@@ -8964,12 +9694,12 @@
                         </a:spcAft>
                       </a:pPr>
                       <a:r>
-                        <a:rPr lang="en-US" sz="200">
+                        <a:rPr lang="en-US" sz="200" dirty="0">
                           <a:effectLst/>
                         </a:rPr>
                         <a:t> </a:t>
                       </a:r>
-                      <a:endParaRPr lang="en-US" sz="1200">
+                      <a:endParaRPr lang="en-US" sz="1200" dirty="0">
                         <a:effectLst/>
                         <a:latin typeface="Calibri" panose="020F0502020204030204" pitchFamily="34" charset="0"/>
                         <a:ea typeface="DengXian" panose="02010600030101010101" pitchFamily="2" charset="-122"/>
@@ -8993,12 +9723,12 @@
                         </a:spcAft>
                       </a:pPr>
                       <a:r>
-                        <a:rPr lang="en-US" sz="200">
+                        <a:rPr lang="en-US" sz="200" dirty="0">
                           <a:effectLst/>
                         </a:rPr>
                         <a:t> </a:t>
                       </a:r>
-                      <a:endParaRPr lang="en-US" sz="1200">
+                      <a:endParaRPr lang="en-US" sz="1200" dirty="0">
                         <a:effectLst/>
                         <a:latin typeface="Calibri" panose="020F0502020204030204" pitchFamily="34" charset="0"/>
                         <a:ea typeface="DengXian" panose="02010600030101010101" pitchFamily="2" charset="-122"/>
@@ -9029,12 +9759,12 @@
                         </a:spcAft>
                       </a:pPr>
                       <a:r>
-                        <a:rPr lang="en-US" sz="1200">
+                        <a:rPr lang="en-US" sz="1200" dirty="0">
                           <a:effectLst/>
                         </a:rPr>
                         <a:t>Feed</a:t>
                       </a:r>
-                      <a:endParaRPr lang="en-US" sz="1200">
+                      <a:endParaRPr lang="en-US" sz="1200" dirty="0">
                         <a:effectLst/>
                         <a:latin typeface="Calibri" panose="020F0502020204030204" pitchFamily="34" charset="0"/>
                         <a:ea typeface="DengXian" panose="02010600030101010101" pitchFamily="2" charset="-122"/>
@@ -9058,12 +9788,12 @@
                         </a:spcAft>
                       </a:pPr>
                       <a:r>
-                        <a:rPr lang="en-US" sz="1200">
+                        <a:rPr lang="en-US" sz="1200" dirty="0">
                           <a:effectLst/>
                         </a:rPr>
                         <a:t>10</a:t>
                       </a:r>
-                      <a:endParaRPr lang="en-US" sz="1200">
+                      <a:endParaRPr lang="en-US" sz="1200" dirty="0">
                         <a:effectLst/>
                         <a:latin typeface="Calibri" panose="020F0502020204030204" pitchFamily="34" charset="0"/>
                         <a:ea typeface="DengXian" panose="02010600030101010101" pitchFamily="2" charset="-122"/>
@@ -9094,12 +9824,12 @@
                         </a:spcAft>
                       </a:pPr>
                       <a:r>
-                        <a:rPr lang="en-US" sz="1200">
+                        <a:rPr lang="en-US" sz="1200" dirty="0">
                           <a:effectLst/>
                         </a:rPr>
                         <a:t>Internal Recycle</a:t>
                       </a:r>
-                      <a:endParaRPr lang="en-US" sz="1200">
+                      <a:endParaRPr lang="en-US" sz="1200" dirty="0">
                         <a:effectLst/>
                         <a:latin typeface="Calibri" panose="020F0502020204030204" pitchFamily="34" charset="0"/>
                         <a:ea typeface="DengXian" panose="02010600030101010101" pitchFamily="2" charset="-122"/>
@@ -9159,12 +9889,12 @@
                         </a:spcAft>
                       </a:pPr>
                       <a:r>
-                        <a:rPr lang="en-US" sz="1200">
+                        <a:rPr lang="en-US" sz="1200" dirty="0">
                           <a:effectLst/>
                         </a:rPr>
                         <a:t>Recycle Sludge</a:t>
                       </a:r>
-                      <a:endParaRPr lang="en-US" sz="1200">
+                      <a:endParaRPr lang="en-US" sz="1200" dirty="0">
                         <a:effectLst/>
                         <a:latin typeface="Calibri" panose="020F0502020204030204" pitchFamily="34" charset="0"/>
                         <a:ea typeface="DengXian" panose="02010600030101010101" pitchFamily="2" charset="-122"/>
@@ -9188,12 +9918,12 @@
                         </a:spcAft>
                       </a:pPr>
                       <a:r>
-                        <a:rPr lang="en-US" sz="1200">
+                        <a:rPr lang="en-US" sz="1200" dirty="0">
                           <a:effectLst/>
                         </a:rPr>
                         <a:t>15</a:t>
                       </a:r>
-                      <a:endParaRPr lang="en-US" sz="1200">
+                      <a:endParaRPr lang="en-US" sz="1200" dirty="0">
                         <a:effectLst/>
                         <a:latin typeface="Calibri" panose="020F0502020204030204" pitchFamily="34" charset="0"/>
                         <a:ea typeface="DengXian" panose="02010600030101010101" pitchFamily="2" charset="-122"/>
@@ -9224,12 +9954,12 @@
                         </a:spcAft>
                       </a:pPr>
                       <a:r>
-                        <a:rPr lang="en-US" sz="200">
+                        <a:rPr lang="en-US" sz="200" dirty="0">
                           <a:effectLst/>
                         </a:rPr>
                         <a:t> </a:t>
                       </a:r>
-                      <a:endParaRPr lang="en-US" sz="1200">
+                      <a:endParaRPr lang="en-US" sz="1200" dirty="0">
                         <a:effectLst/>
                         <a:latin typeface="Calibri" panose="020F0502020204030204" pitchFamily="34" charset="0"/>
                         <a:ea typeface="DengXian" panose="02010600030101010101" pitchFamily="2" charset="-122"/>
@@ -9278,6 +10008,29 @@
           </a:graphicData>
         </a:graphic>
       </p:graphicFrame>
+      <p:sp>
+        <p:nvSpPr>
+          <p:cNvPr id="4" name="Slide Number Placeholder 3"/>
+          <p:cNvSpPr>
+            <a:spLocks noGrp="1"/>
+          </p:cNvSpPr>
+          <p:nvPr>
+            <p:ph type="sldNum" sz="quarter" idx="12"/>
+          </p:nvPr>
+        </p:nvSpPr>
+        <p:spPr/>
+        <p:txBody>
+          <a:bodyPr/>
+          <a:lstStyle/>
+          <a:p>
+            <a:fld id="{6D22F896-40B5-4ADD-8801-0D06FADFA095}" type="slidenum">
+              <a:rPr lang="en-US" smtClean="0"/>
+              <a:t>6</a:t>
+            </a:fld>
+            <a:endParaRPr lang="en-US" dirty="0"/>
+          </a:p>
+        </p:txBody>
+      </p:sp>
     </p:spTree>
     <p:extLst>
       <p:ext uri="{BB962C8B-B14F-4D97-AF65-F5344CB8AC3E}">
@@ -9382,8 +10135,8 @@
               <a:t>DAS connected to PC with </a:t>
             </a:r>
             <a:r>
-              <a:rPr lang="en-CA" b="1" dirty="0" err="1" smtClean="0"/>
-              <a:t>Labview</a:t>
+              <a:rPr lang="en-CA" b="1" dirty="0" smtClean="0"/>
+              <a:t>LabVIEW</a:t>
             </a:r>
             <a:endParaRPr lang="en-CA" b="1" dirty="0" smtClean="0"/>
           </a:p>
@@ -9422,6 +10175,29 @@
           </a:prstGeom>
         </p:spPr>
       </p:pic>
+      <p:sp>
+        <p:nvSpPr>
+          <p:cNvPr id="4" name="Slide Number Placeholder 3"/>
+          <p:cNvSpPr>
+            <a:spLocks noGrp="1"/>
+          </p:cNvSpPr>
+          <p:nvPr>
+            <p:ph type="sldNum" sz="quarter" idx="12"/>
+          </p:nvPr>
+        </p:nvSpPr>
+        <p:spPr/>
+        <p:txBody>
+          <a:bodyPr/>
+          <a:lstStyle/>
+          <a:p>
+            <a:fld id="{6D22F896-40B5-4ADD-8801-0D06FADFA095}" type="slidenum">
+              <a:rPr lang="en-US" smtClean="0"/>
+              <a:t>7</a:t>
+            </a:fld>
+            <a:endParaRPr lang="en-US" dirty="0"/>
+          </a:p>
+        </p:txBody>
+      </p:sp>
     </p:spTree>
     <p:extLst>
       <p:ext uri="{BB962C8B-B14F-4D97-AF65-F5344CB8AC3E}">
@@ -9621,6 +10397,29 @@
           </a:prstGeom>
         </p:spPr>
       </p:pic>
+      <p:sp>
+        <p:nvSpPr>
+          <p:cNvPr id="4" name="Slide Number Placeholder 3"/>
+          <p:cNvSpPr>
+            <a:spLocks noGrp="1"/>
+          </p:cNvSpPr>
+          <p:nvPr>
+            <p:ph type="sldNum" sz="quarter" idx="12"/>
+          </p:nvPr>
+        </p:nvSpPr>
+        <p:spPr/>
+        <p:txBody>
+          <a:bodyPr/>
+          <a:lstStyle/>
+          <a:p>
+            <a:fld id="{6D22F896-40B5-4ADD-8801-0D06FADFA095}" type="slidenum">
+              <a:rPr lang="en-US" smtClean="0"/>
+              <a:t>8</a:t>
+            </a:fld>
+            <a:endParaRPr lang="en-US" dirty="0"/>
+          </a:p>
+        </p:txBody>
+      </p:sp>
     </p:spTree>
     <p:extLst>
       <p:ext uri="{BB962C8B-B14F-4D97-AF65-F5344CB8AC3E}">
@@ -9982,6 +10781,29 @@
           </a:prstGeom>
         </p:spPr>
       </p:pic>
+      <p:sp>
+        <p:nvSpPr>
+          <p:cNvPr id="5" name="Slide Number Placeholder 4"/>
+          <p:cNvSpPr>
+            <a:spLocks noGrp="1"/>
+          </p:cNvSpPr>
+          <p:nvPr>
+            <p:ph type="sldNum" sz="quarter" idx="12"/>
+          </p:nvPr>
+        </p:nvSpPr>
+        <p:spPr/>
+        <p:txBody>
+          <a:bodyPr/>
+          <a:lstStyle/>
+          <a:p>
+            <a:fld id="{6D22F896-40B5-4ADD-8801-0D06FADFA095}" type="slidenum">
+              <a:rPr lang="en-US" smtClean="0"/>
+              <a:t>9</a:t>
+            </a:fld>
+            <a:endParaRPr lang="en-US" dirty="0"/>
+          </a:p>
+        </p:txBody>
+      </p:sp>
     </p:spTree>
     <p:extLst>
       <p:ext uri="{BB962C8B-B14F-4D97-AF65-F5344CB8AC3E}">
@@ -10283,4 +11105,265 @@
     </a:ext>
   </a:extLst>
 </a:theme>
+</file>
+
+<file path=ppt/theme/theme2.xml><?xml version="1.0" encoding="utf-8"?>
+<a:theme xmlns:a="http://schemas.openxmlformats.org/drawingml/2006/main" name="Office Theme">
+  <a:themeElements>
+    <a:clrScheme name="Office">
+      <a:dk1>
+        <a:sysClr val="windowText" lastClr="000000"/>
+      </a:dk1>
+      <a:lt1>
+        <a:sysClr val="window" lastClr="FFFFFF"/>
+      </a:lt1>
+      <a:dk2>
+        <a:srgbClr val="44546A"/>
+      </a:dk2>
+      <a:lt2>
+        <a:srgbClr val="E7E6E6"/>
+      </a:lt2>
+      <a:accent1>
+        <a:srgbClr val="5B9BD5"/>
+      </a:accent1>
+      <a:accent2>
+        <a:srgbClr val="ED7D31"/>
+      </a:accent2>
+      <a:accent3>
+        <a:srgbClr val="A5A5A5"/>
+      </a:accent3>
+      <a:accent4>
+        <a:srgbClr val="FFC000"/>
+      </a:accent4>
+      <a:accent5>
+        <a:srgbClr val="4472C4"/>
+      </a:accent5>
+      <a:accent6>
+        <a:srgbClr val="70AD47"/>
+      </a:accent6>
+      <a:hlink>
+        <a:srgbClr val="0563C1"/>
+      </a:hlink>
+      <a:folHlink>
+        <a:srgbClr val="954F72"/>
+      </a:folHlink>
+    </a:clrScheme>
+    <a:fontScheme name="Office">
+      <a:majorFont>
+        <a:latin typeface="Calibri Light" panose="020F0302020204030204"/>
+        <a:ea typeface=""/>
+        <a:cs typeface=""/>
+        <a:font script="Jpan" typeface="游ゴシック Light"/>
+        <a:font script="Hang" typeface="맑은 고딕"/>
+        <a:font script="Hans" typeface="等线 Light"/>
+        <a:font script="Hant" typeface="新細明體"/>
+        <a:font script="Arab" typeface="Times New Roman"/>
+        <a:font script="Hebr" typeface="Times New Roman"/>
+        <a:font script="Thai" typeface="Angsana New"/>
+        <a:font script="Ethi" typeface="Nyala"/>
+        <a:font script="Beng" typeface="Vrinda"/>
+        <a:font script="Gujr" typeface="Shruti"/>
+        <a:font script="Khmr" typeface="MoolBoran"/>
+        <a:font script="Knda" typeface="Tunga"/>
+        <a:font script="Guru" typeface="Raavi"/>
+        <a:font script="Cans" typeface="Euphemia"/>
+        <a:font script="Cher" typeface="Plantagenet Cherokee"/>
+        <a:font script="Yiii" typeface="Microsoft Yi Baiti"/>
+        <a:font script="Tibt" typeface="Microsoft Himalaya"/>
+        <a:font script="Thaa" typeface="MV Boli"/>
+        <a:font script="Deva" typeface="Mangal"/>
+        <a:font script="Telu" typeface="Gautami"/>
+        <a:font script="Taml" typeface="Latha"/>
+        <a:font script="Syrc" typeface="Estrangelo Edessa"/>
+        <a:font script="Orya" typeface="Kalinga"/>
+        <a:font script="Mlym" typeface="Kartika"/>
+        <a:font script="Laoo" typeface="DokChampa"/>
+        <a:font script="Sinh" typeface="Iskoola Pota"/>
+        <a:font script="Mong" typeface="Mongolian Baiti"/>
+        <a:font script="Viet" typeface="Times New Roman"/>
+        <a:font script="Uigh" typeface="Microsoft Uighur"/>
+        <a:font script="Geor" typeface="Sylfaen"/>
+      </a:majorFont>
+      <a:minorFont>
+        <a:latin typeface="Calibri" panose="020F0502020204030204"/>
+        <a:ea typeface=""/>
+        <a:cs typeface=""/>
+        <a:font script="Jpan" typeface="游ゴシック"/>
+        <a:font script="Hang" typeface="맑은 고딕"/>
+        <a:font script="Hans" typeface="等线"/>
+        <a:font script="Hant" typeface="新細明體"/>
+        <a:font script="Arab" typeface="Arial"/>
+        <a:font script="Hebr" typeface="Arial"/>
+        <a:font script="Thai" typeface="Cordia New"/>
+        <a:font script="Ethi" typeface="Nyala"/>
+        <a:font script="Beng" typeface="Vrinda"/>
+        <a:font script="Gujr" typeface="Shruti"/>
+        <a:font script="Khmr" typeface="DaunPenh"/>
+        <a:font script="Knda" typeface="Tunga"/>
+        <a:font script="Guru" typeface="Raavi"/>
+        <a:font script="Cans" typeface="Euphemia"/>
+        <a:font script="Cher" typeface="Plantagenet Cherokee"/>
+        <a:font script="Yiii" typeface="Microsoft Yi Baiti"/>
+        <a:font script="Tibt" typeface="Microsoft Himalaya"/>
+        <a:font script="Thaa" typeface="MV Boli"/>
+        <a:font script="Deva" typeface="Mangal"/>
+        <a:font script="Telu" typeface="Gautami"/>
+        <a:font script="Taml" typeface="Latha"/>
+        <a:font script="Syrc" typeface="Estrangelo Edessa"/>
+        <a:font script="Orya" typeface="Kalinga"/>
+        <a:font script="Mlym" typeface="Kartika"/>
+        <a:font script="Laoo" typeface="DokChampa"/>
+        <a:font script="Sinh" typeface="Iskoola Pota"/>
+        <a:font script="Mong" typeface="Mongolian Baiti"/>
+        <a:font script="Viet" typeface="Arial"/>
+        <a:font script="Uigh" typeface="Microsoft Uighur"/>
+        <a:font script="Geor" typeface="Sylfaen"/>
+      </a:minorFont>
+    </a:fontScheme>
+    <a:fmtScheme name="Office">
+      <a:fillStyleLst>
+        <a:solidFill>
+          <a:schemeClr val="phClr"/>
+        </a:solidFill>
+        <a:gradFill rotWithShape="1">
+          <a:gsLst>
+            <a:gs pos="0">
+              <a:schemeClr val="phClr">
+                <a:lumMod val="110000"/>
+                <a:satMod val="105000"/>
+                <a:tint val="67000"/>
+              </a:schemeClr>
+            </a:gs>
+            <a:gs pos="50000">
+              <a:schemeClr val="phClr">
+                <a:lumMod val="105000"/>
+                <a:satMod val="103000"/>
+                <a:tint val="73000"/>
+              </a:schemeClr>
+            </a:gs>
+            <a:gs pos="100000">
+              <a:schemeClr val="phClr">
+                <a:lumMod val="105000"/>
+                <a:satMod val="109000"/>
+                <a:tint val="81000"/>
+              </a:schemeClr>
+            </a:gs>
+          </a:gsLst>
+          <a:lin ang="5400000" scaled="0"/>
+        </a:gradFill>
+        <a:gradFill rotWithShape="1">
+          <a:gsLst>
+            <a:gs pos="0">
+              <a:schemeClr val="phClr">
+                <a:satMod val="103000"/>
+                <a:lumMod val="102000"/>
+                <a:tint val="94000"/>
+              </a:schemeClr>
+            </a:gs>
+            <a:gs pos="50000">
+              <a:schemeClr val="phClr">
+                <a:satMod val="110000"/>
+                <a:lumMod val="100000"/>
+                <a:shade val="100000"/>
+              </a:schemeClr>
+            </a:gs>
+            <a:gs pos="100000">
+              <a:schemeClr val="phClr">
+                <a:lumMod val="99000"/>
+                <a:satMod val="120000"/>
+                <a:shade val="78000"/>
+              </a:schemeClr>
+            </a:gs>
+          </a:gsLst>
+          <a:lin ang="5400000" scaled="0"/>
+        </a:gradFill>
+      </a:fillStyleLst>
+      <a:lnStyleLst>
+        <a:ln w="6350" cap="flat" cmpd="sng" algn="ctr">
+          <a:solidFill>
+            <a:schemeClr val="phClr"/>
+          </a:solidFill>
+          <a:prstDash val="solid"/>
+          <a:miter lim="800000"/>
+        </a:ln>
+        <a:ln w="12700" cap="flat" cmpd="sng" algn="ctr">
+          <a:solidFill>
+            <a:schemeClr val="phClr"/>
+          </a:solidFill>
+          <a:prstDash val="solid"/>
+          <a:miter lim="800000"/>
+        </a:ln>
+        <a:ln w="19050" cap="flat" cmpd="sng" algn="ctr">
+          <a:solidFill>
+            <a:schemeClr val="phClr"/>
+          </a:solidFill>
+          <a:prstDash val="solid"/>
+          <a:miter lim="800000"/>
+        </a:ln>
+      </a:lnStyleLst>
+      <a:effectStyleLst>
+        <a:effectStyle>
+          <a:effectLst/>
+        </a:effectStyle>
+        <a:effectStyle>
+          <a:effectLst/>
+        </a:effectStyle>
+        <a:effectStyle>
+          <a:effectLst>
+            <a:outerShdw blurRad="57150" dist="19050" dir="5400000" algn="ctr" rotWithShape="0">
+              <a:srgbClr val="000000">
+                <a:alpha val="63000"/>
+              </a:srgbClr>
+            </a:outerShdw>
+          </a:effectLst>
+        </a:effectStyle>
+      </a:effectStyleLst>
+      <a:bgFillStyleLst>
+        <a:solidFill>
+          <a:schemeClr val="phClr"/>
+        </a:solidFill>
+        <a:solidFill>
+          <a:schemeClr val="phClr">
+            <a:tint val="95000"/>
+            <a:satMod val="170000"/>
+          </a:schemeClr>
+        </a:solidFill>
+        <a:gradFill rotWithShape="1">
+          <a:gsLst>
+            <a:gs pos="0">
+              <a:schemeClr val="phClr">
+                <a:tint val="93000"/>
+                <a:satMod val="150000"/>
+                <a:shade val="98000"/>
+                <a:lumMod val="102000"/>
+              </a:schemeClr>
+            </a:gs>
+            <a:gs pos="50000">
+              <a:schemeClr val="phClr">
+                <a:tint val="98000"/>
+                <a:satMod val="130000"/>
+                <a:shade val="90000"/>
+                <a:lumMod val="103000"/>
+              </a:schemeClr>
+            </a:gs>
+            <a:gs pos="100000">
+              <a:schemeClr val="phClr">
+                <a:shade val="63000"/>
+                <a:satMod val="120000"/>
+              </a:schemeClr>
+            </a:gs>
+          </a:gsLst>
+          <a:lin ang="5400000" scaled="0"/>
+        </a:gradFill>
+      </a:bgFillStyleLst>
+    </a:fmtScheme>
+  </a:themeElements>
+  <a:objectDefaults/>
+  <a:extraClrSchemeLst/>
+  <a:extLst>
+    <a:ext uri="{05A4C25C-085E-4340-85A3-A5531E510DB2}">
+      <thm15:themeFamily xmlns:thm15="http://schemas.microsoft.com/office/thememl/2012/main" name="Office Theme" id="{62F939B6-93AF-4DB8-9C6B-D6C7DFDC589F}" vid="{4A3C46E8-61CC-4603-A589-7422A47A8E4A}"/>
+    </a:ext>
+  </a:extLst>
+</a:theme>
 </file>